--- a/code/TIRFcalibration/fluorescenceSpectra/doc/fluorescenceSpectraData.pptx
+++ b/code/TIRFcalibration/fluorescenceSpectra/doc/fluorescenceSpectraData.pptx
@@ -10,6 +10,9 @@
     <p:sldId id="258" r:id="rId4"/>
     <p:sldId id="259" r:id="rId5"/>
     <p:sldId id="260" r:id="rId6"/>
+    <p:sldId id="261" r:id="rId7"/>
+    <p:sldId id="262" r:id="rId8"/>
+    <p:sldId id="263" r:id="rId9"/>
   </p:sldIdLst>
   <p:sldSz cx="12192000" cy="6858000"/>
   <p:notesSz cx="6858000" cy="9144000"/>
@@ -108,6 +111,11 @@
       </a:defRPr>
     </a:lvl9pPr>
   </p:defaultTextStyle>
+  <p:extLst>
+    <p:ext uri="{EFAFB233-063F-42B5-8137-9DF3F51BA10A}">
+      <p15:sldGuideLst xmlns:p15="http://schemas.microsoft.com/office/powerpoint/2012/main"/>
+    </p:ext>
+  </p:extLst>
 </p:presentation>
 </file>
 
@@ -242,7 +250,7 @@
           <a:p>
             <a:fld id="{05B5FFA0-1F84-451F-A3B0-1A71C56D6C03}" type="datetimeFigureOut">
               <a:rPr lang="en-US" smtClean="0"/>
-              <a:t>12/21/2017</a:t>
+              <a:t>12/23/2017</a:t>
             </a:fld>
             <a:endParaRPr lang="en-US"/>
           </a:p>
@@ -412,7 +420,7 @@
           <a:p>
             <a:fld id="{05B5FFA0-1F84-451F-A3B0-1A71C56D6C03}" type="datetimeFigureOut">
               <a:rPr lang="en-US" smtClean="0"/>
-              <a:t>12/21/2017</a:t>
+              <a:t>12/23/2017</a:t>
             </a:fld>
             <a:endParaRPr lang="en-US"/>
           </a:p>
@@ -592,7 +600,7 @@
           <a:p>
             <a:fld id="{05B5FFA0-1F84-451F-A3B0-1A71C56D6C03}" type="datetimeFigureOut">
               <a:rPr lang="en-US" smtClean="0"/>
-              <a:t>12/21/2017</a:t>
+              <a:t>12/23/2017</a:t>
             </a:fld>
             <a:endParaRPr lang="en-US"/>
           </a:p>
@@ -762,7 +770,7 @@
           <a:p>
             <a:fld id="{05B5FFA0-1F84-451F-A3B0-1A71C56D6C03}" type="datetimeFigureOut">
               <a:rPr lang="en-US" smtClean="0"/>
-              <a:t>12/21/2017</a:t>
+              <a:t>12/23/2017</a:t>
             </a:fld>
             <a:endParaRPr lang="en-US"/>
           </a:p>
@@ -1008,7 +1016,7 @@
           <a:p>
             <a:fld id="{05B5FFA0-1F84-451F-A3B0-1A71C56D6C03}" type="datetimeFigureOut">
               <a:rPr lang="en-US" smtClean="0"/>
-              <a:t>12/21/2017</a:t>
+              <a:t>12/23/2017</a:t>
             </a:fld>
             <a:endParaRPr lang="en-US"/>
           </a:p>
@@ -1240,7 +1248,7 @@
           <a:p>
             <a:fld id="{05B5FFA0-1F84-451F-A3B0-1A71C56D6C03}" type="datetimeFigureOut">
               <a:rPr lang="en-US" smtClean="0"/>
-              <a:t>12/21/2017</a:t>
+              <a:t>12/23/2017</a:t>
             </a:fld>
             <a:endParaRPr lang="en-US"/>
           </a:p>
@@ -1607,7 +1615,7 @@
           <a:p>
             <a:fld id="{05B5FFA0-1F84-451F-A3B0-1A71C56D6C03}" type="datetimeFigureOut">
               <a:rPr lang="en-US" smtClean="0"/>
-              <a:t>12/21/2017</a:t>
+              <a:t>12/23/2017</a:t>
             </a:fld>
             <a:endParaRPr lang="en-US"/>
           </a:p>
@@ -1725,7 +1733,7 @@
           <a:p>
             <a:fld id="{05B5FFA0-1F84-451F-A3B0-1A71C56D6C03}" type="datetimeFigureOut">
               <a:rPr lang="en-US" smtClean="0"/>
-              <a:t>12/21/2017</a:t>
+              <a:t>12/23/2017</a:t>
             </a:fld>
             <a:endParaRPr lang="en-US"/>
           </a:p>
@@ -1820,7 +1828,7 @@
           <a:p>
             <a:fld id="{05B5FFA0-1F84-451F-A3B0-1A71C56D6C03}" type="datetimeFigureOut">
               <a:rPr lang="en-US" smtClean="0"/>
-              <a:t>12/21/2017</a:t>
+              <a:t>12/23/2017</a:t>
             </a:fld>
             <a:endParaRPr lang="en-US"/>
           </a:p>
@@ -2097,7 +2105,7 @@
           <a:p>
             <a:fld id="{05B5FFA0-1F84-451F-A3B0-1A71C56D6C03}" type="datetimeFigureOut">
               <a:rPr lang="en-US" smtClean="0"/>
-              <a:t>12/21/2017</a:t>
+              <a:t>12/23/2017</a:t>
             </a:fld>
             <a:endParaRPr lang="en-US"/>
           </a:p>
@@ -2350,7 +2358,7 @@
           <a:p>
             <a:fld id="{05B5FFA0-1F84-451F-A3B0-1A71C56D6C03}" type="datetimeFigureOut">
               <a:rPr lang="en-US" smtClean="0"/>
-              <a:t>12/21/2017</a:t>
+              <a:t>12/23/2017</a:t>
             </a:fld>
             <a:endParaRPr lang="en-US"/>
           </a:p>
@@ -2563,7 +2571,7 @@
           <a:p>
             <a:fld id="{05B5FFA0-1F84-451F-A3B0-1A71C56D6C03}" type="datetimeFigureOut">
               <a:rPr lang="en-US" smtClean="0"/>
-              <a:t>12/21/2017</a:t>
+              <a:t>12/23/2017</a:t>
             </a:fld>
             <a:endParaRPr lang="en-US"/>
           </a:p>
@@ -5123,11 +5131,7 @@
           <a:p>
             <a:r>
               <a:rPr lang="en-US" dirty="0" smtClean="0"/>
-              <a:t>CH1</a:t>
-            </a:r>
-            <a:r>
-              <a:rPr lang="en-US" dirty="0" smtClean="0"/>
-              <a:t>M</a:t>
+              <a:t>CH1M</a:t>
             </a:r>
             <a:endParaRPr lang="en-US" dirty="0"/>
           </a:p>
@@ -5157,11 +5161,7 @@
           <a:p>
             <a:r>
               <a:rPr lang="en-US" dirty="0" smtClean="0"/>
-              <a:t>CH2</a:t>
-            </a:r>
-            <a:r>
-              <a:rPr lang="en-US" dirty="0" smtClean="0"/>
-              <a:t>M</a:t>
+              <a:t>CH2M</a:t>
             </a:r>
             <a:endParaRPr lang="en-US" dirty="0"/>
           </a:p>
@@ -5221,11 +5221,7 @@
           <a:p>
             <a:r>
               <a:rPr lang="en-US" dirty="0" smtClean="0"/>
-              <a:t>CH3</a:t>
-            </a:r>
-            <a:r>
-              <a:rPr lang="en-US" dirty="0" smtClean="0"/>
-              <a:t>M</a:t>
+              <a:t>CH3M</a:t>
             </a:r>
             <a:endParaRPr lang="en-US" dirty="0"/>
           </a:p>
@@ -6556,11 +6552,7 @@
           <a:p>
             <a:r>
               <a:rPr lang="en-US" dirty="0" smtClean="0"/>
-              <a:t>CH1</a:t>
-            </a:r>
-            <a:r>
-              <a:rPr lang="en-US" dirty="0" smtClean="0"/>
-              <a:t>M</a:t>
+              <a:t>CH1M</a:t>
             </a:r>
             <a:endParaRPr lang="en-US" dirty="0"/>
           </a:p>
@@ -6590,11 +6582,7 @@
           <a:p>
             <a:r>
               <a:rPr lang="en-US" dirty="0" smtClean="0"/>
-              <a:t>CH2</a:t>
-            </a:r>
-            <a:r>
-              <a:rPr lang="en-US" dirty="0" smtClean="0"/>
-              <a:t>M</a:t>
+              <a:t>CH2M</a:t>
             </a:r>
             <a:endParaRPr lang="en-US" dirty="0"/>
           </a:p>
@@ -6654,11 +6642,7 @@
           <a:p>
             <a:r>
               <a:rPr lang="en-US" dirty="0" smtClean="0"/>
-              <a:t>CH3</a:t>
-            </a:r>
-            <a:r>
-              <a:rPr lang="en-US" dirty="0" smtClean="0"/>
-              <a:t>M</a:t>
+              <a:t>CH3M</a:t>
             </a:r>
             <a:endParaRPr lang="en-US" dirty="0"/>
           </a:p>
@@ -8200,7 +8184,6 @@
                 <a:rPr lang="en-US" sz="600" dirty="0"/>
                 <a:t>F1</a:t>
               </a:r>
-              <a:endParaRPr lang="en-US" sz="600" dirty="0"/>
             </a:p>
           </p:txBody>
         </p:sp>
@@ -8230,7 +8213,6 @@
                 <a:rPr lang="en-US" sz="600" dirty="0"/>
                 <a:t>F2</a:t>
               </a:r>
-              <a:endParaRPr lang="en-US" sz="600" dirty="0"/>
             </a:p>
           </p:txBody>
         </p:sp>
@@ -8260,7 +8242,6 @@
                 <a:rPr lang="en-US" sz="600" dirty="0"/>
                 <a:t>F4</a:t>
               </a:r>
-              <a:endParaRPr lang="en-US" sz="600" dirty="0"/>
             </a:p>
           </p:txBody>
         </p:sp>
@@ -8290,7 +8271,6 @@
                 <a:rPr lang="en-US" sz="600" dirty="0"/>
                 <a:t>F3</a:t>
               </a:r>
-              <a:endParaRPr lang="en-US" sz="600" dirty="0"/>
             </a:p>
           </p:txBody>
         </p:sp>
@@ -8335,7 +8315,6 @@
                 <a:rPr lang="en-US" sz="600" dirty="0"/>
                 <a:t>F1</a:t>
               </a:r>
-              <a:endParaRPr lang="en-US" sz="600" dirty="0"/>
             </a:p>
           </p:txBody>
         </p:sp>
@@ -8365,7 +8344,6 @@
                 <a:rPr lang="en-US" sz="600" dirty="0"/>
                 <a:t>F2</a:t>
               </a:r>
-              <a:endParaRPr lang="en-US" sz="600" dirty="0"/>
             </a:p>
           </p:txBody>
         </p:sp>
@@ -8395,7 +8373,6 @@
                 <a:rPr lang="en-US" sz="600" dirty="0"/>
                 <a:t>F4</a:t>
               </a:r>
-              <a:endParaRPr lang="en-US" sz="600" dirty="0"/>
             </a:p>
           </p:txBody>
         </p:sp>
@@ -8425,7 +8402,6 @@
                 <a:rPr lang="en-US" sz="600" dirty="0"/>
                 <a:t>F3</a:t>
               </a:r>
-              <a:endParaRPr lang="en-US" sz="600" dirty="0"/>
             </a:p>
           </p:txBody>
         </p:sp>
@@ -8470,7 +8446,6 @@
                 <a:rPr lang="en-US" sz="600" dirty="0"/>
                 <a:t>F1</a:t>
               </a:r>
-              <a:endParaRPr lang="en-US" sz="600" dirty="0"/>
             </a:p>
           </p:txBody>
         </p:sp>
@@ -8500,7 +8475,6 @@
                 <a:rPr lang="en-US" sz="600" dirty="0"/>
                 <a:t>F2</a:t>
               </a:r>
-              <a:endParaRPr lang="en-US" sz="600" dirty="0"/>
             </a:p>
           </p:txBody>
         </p:sp>
@@ -8530,7 +8504,6 @@
                 <a:rPr lang="en-US" sz="600" dirty="0"/>
                 <a:t>F4</a:t>
               </a:r>
-              <a:endParaRPr lang="en-US" sz="600" dirty="0"/>
             </a:p>
           </p:txBody>
         </p:sp>
@@ -8560,7 +8533,6 @@
                 <a:rPr lang="en-US" sz="600" dirty="0"/>
                 <a:t>F3</a:t>
               </a:r>
-              <a:endParaRPr lang="en-US" sz="600" dirty="0"/>
             </a:p>
           </p:txBody>
         </p:sp>
@@ -8605,7 +8577,6 @@
                 <a:rPr lang="en-US" sz="600" dirty="0"/>
                 <a:t>F1</a:t>
               </a:r>
-              <a:endParaRPr lang="en-US" sz="600" dirty="0"/>
             </a:p>
           </p:txBody>
         </p:sp>
@@ -8635,7 +8606,6 @@
                 <a:rPr lang="en-US" sz="600" dirty="0"/>
                 <a:t>F2</a:t>
               </a:r>
-              <a:endParaRPr lang="en-US" sz="600" dirty="0"/>
             </a:p>
           </p:txBody>
         </p:sp>
@@ -8665,7 +8635,6 @@
                 <a:rPr lang="en-US" sz="600" dirty="0"/>
                 <a:t>F4</a:t>
               </a:r>
-              <a:endParaRPr lang="en-US" sz="600" dirty="0"/>
             </a:p>
           </p:txBody>
         </p:sp>
@@ -8695,7 +8664,6 @@
                 <a:rPr lang="en-US" sz="600" dirty="0"/>
                 <a:t>F3</a:t>
               </a:r>
-              <a:endParaRPr lang="en-US" sz="600" dirty="0"/>
             </a:p>
           </p:txBody>
         </p:sp>
@@ -9645,7 +9613,6 @@
                 <a:rPr lang="en-US" sz="600" dirty="0"/>
                 <a:t>F1</a:t>
               </a:r>
-              <a:endParaRPr lang="en-US" sz="600" dirty="0"/>
             </a:p>
           </p:txBody>
         </p:sp>
@@ -9675,7 +9642,6 @@
                 <a:rPr lang="en-US" sz="600" dirty="0"/>
                 <a:t>F2</a:t>
               </a:r>
-              <a:endParaRPr lang="en-US" sz="600" dirty="0"/>
             </a:p>
           </p:txBody>
         </p:sp>
@@ -9705,7 +9671,6 @@
                 <a:rPr lang="en-US" sz="600" dirty="0"/>
                 <a:t>F4</a:t>
               </a:r>
-              <a:endParaRPr lang="en-US" sz="600" dirty="0"/>
             </a:p>
           </p:txBody>
         </p:sp>
@@ -9735,7 +9700,6 @@
                 <a:rPr lang="en-US" sz="600" dirty="0"/>
                 <a:t>F3</a:t>
               </a:r>
-              <a:endParaRPr lang="en-US" sz="600" dirty="0"/>
             </a:p>
           </p:txBody>
         </p:sp>
@@ -9780,7 +9744,6 @@
                 <a:rPr lang="en-US" sz="600" dirty="0"/>
                 <a:t>F1</a:t>
               </a:r>
-              <a:endParaRPr lang="en-US" sz="600" dirty="0"/>
             </a:p>
           </p:txBody>
         </p:sp>
@@ -9810,7 +9773,6 @@
                 <a:rPr lang="en-US" sz="600" dirty="0"/>
                 <a:t>F2</a:t>
               </a:r>
-              <a:endParaRPr lang="en-US" sz="600" dirty="0"/>
             </a:p>
           </p:txBody>
         </p:sp>
@@ -9840,7 +9802,6 @@
                 <a:rPr lang="en-US" sz="600" dirty="0"/>
                 <a:t>F4</a:t>
               </a:r>
-              <a:endParaRPr lang="en-US" sz="600" dirty="0"/>
             </a:p>
           </p:txBody>
         </p:sp>
@@ -9870,7 +9831,6 @@
                 <a:rPr lang="en-US" sz="600" dirty="0"/>
                 <a:t>F3</a:t>
               </a:r>
-              <a:endParaRPr lang="en-US" sz="600" dirty="0"/>
             </a:p>
           </p:txBody>
         </p:sp>
@@ -9915,7 +9875,6 @@
                 <a:rPr lang="en-US" sz="600" dirty="0"/>
                 <a:t>F1</a:t>
               </a:r>
-              <a:endParaRPr lang="en-US" sz="600" dirty="0"/>
             </a:p>
           </p:txBody>
         </p:sp>
@@ -9945,7 +9904,6 @@
                 <a:rPr lang="en-US" sz="600" dirty="0"/>
                 <a:t>F2</a:t>
               </a:r>
-              <a:endParaRPr lang="en-US" sz="600" dirty="0"/>
             </a:p>
           </p:txBody>
         </p:sp>
@@ -9975,7 +9933,6 @@
                 <a:rPr lang="en-US" sz="600" dirty="0"/>
                 <a:t>F4</a:t>
               </a:r>
-              <a:endParaRPr lang="en-US" sz="600" dirty="0"/>
             </a:p>
           </p:txBody>
         </p:sp>
@@ -10005,7 +9962,6 @@
                 <a:rPr lang="en-US" sz="600" dirty="0"/>
                 <a:t>F3</a:t>
               </a:r>
-              <a:endParaRPr lang="en-US" sz="600" dirty="0"/>
             </a:p>
           </p:txBody>
         </p:sp>
@@ -10050,7 +10006,6 @@
                 <a:rPr lang="en-US" sz="600" dirty="0"/>
                 <a:t>F1</a:t>
               </a:r>
-              <a:endParaRPr lang="en-US" sz="600" dirty="0"/>
             </a:p>
           </p:txBody>
         </p:sp>
@@ -10080,7 +10035,6 @@
                 <a:rPr lang="en-US" sz="600" dirty="0"/>
                 <a:t>F2</a:t>
               </a:r>
-              <a:endParaRPr lang="en-US" sz="600" dirty="0"/>
             </a:p>
           </p:txBody>
         </p:sp>
@@ -10110,7 +10064,6 @@
                 <a:rPr lang="en-US" sz="600" dirty="0"/>
                 <a:t>F4</a:t>
               </a:r>
-              <a:endParaRPr lang="en-US" sz="600" dirty="0"/>
             </a:p>
           </p:txBody>
         </p:sp>
@@ -10140,7 +10093,6 @@
                 <a:rPr lang="en-US" sz="600" dirty="0"/>
                 <a:t>F3</a:t>
               </a:r>
-              <a:endParaRPr lang="en-US" sz="600" dirty="0"/>
             </a:p>
           </p:txBody>
         </p:sp>
@@ -11090,7 +11042,6 @@
                 <a:rPr lang="en-US" sz="600" dirty="0"/>
                 <a:t>F1</a:t>
               </a:r>
-              <a:endParaRPr lang="en-US" sz="600" dirty="0"/>
             </a:p>
           </p:txBody>
         </p:sp>
@@ -11120,7 +11071,6 @@
                 <a:rPr lang="en-US" sz="600" dirty="0"/>
                 <a:t>F2</a:t>
               </a:r>
-              <a:endParaRPr lang="en-US" sz="600" dirty="0"/>
             </a:p>
           </p:txBody>
         </p:sp>
@@ -11150,7 +11100,6 @@
                 <a:rPr lang="en-US" sz="600" dirty="0"/>
                 <a:t>F4</a:t>
               </a:r>
-              <a:endParaRPr lang="en-US" sz="600" dirty="0"/>
             </a:p>
           </p:txBody>
         </p:sp>
@@ -11180,7 +11129,6 @@
                 <a:rPr lang="en-US" sz="600" dirty="0"/>
                 <a:t>F3</a:t>
               </a:r>
-              <a:endParaRPr lang="en-US" sz="600" dirty="0"/>
             </a:p>
           </p:txBody>
         </p:sp>
@@ -11225,7 +11173,6 @@
                 <a:rPr lang="en-US" sz="600" dirty="0"/>
                 <a:t>F1</a:t>
               </a:r>
-              <a:endParaRPr lang="en-US" sz="600" dirty="0"/>
             </a:p>
           </p:txBody>
         </p:sp>
@@ -11255,7 +11202,6 @@
                 <a:rPr lang="en-US" sz="600" dirty="0"/>
                 <a:t>F2</a:t>
               </a:r>
-              <a:endParaRPr lang="en-US" sz="600" dirty="0"/>
             </a:p>
           </p:txBody>
         </p:sp>
@@ -11285,7 +11231,6 @@
                 <a:rPr lang="en-US" sz="600" dirty="0"/>
                 <a:t>F4</a:t>
               </a:r>
-              <a:endParaRPr lang="en-US" sz="600" dirty="0"/>
             </a:p>
           </p:txBody>
         </p:sp>
@@ -11315,7 +11260,6 @@
                 <a:rPr lang="en-US" sz="600" dirty="0"/>
                 <a:t>F3</a:t>
               </a:r>
-              <a:endParaRPr lang="en-US" sz="600" dirty="0"/>
             </a:p>
           </p:txBody>
         </p:sp>
@@ -11360,7 +11304,6 @@
                 <a:rPr lang="en-US" sz="600" dirty="0"/>
                 <a:t>F1</a:t>
               </a:r>
-              <a:endParaRPr lang="en-US" sz="600" dirty="0"/>
             </a:p>
           </p:txBody>
         </p:sp>
@@ -11390,7 +11333,6 @@
                 <a:rPr lang="en-US" sz="600" dirty="0"/>
                 <a:t>F2</a:t>
               </a:r>
-              <a:endParaRPr lang="en-US" sz="600" dirty="0"/>
             </a:p>
           </p:txBody>
         </p:sp>
@@ -11420,7 +11362,6 @@
                 <a:rPr lang="en-US" sz="600" dirty="0"/>
                 <a:t>F4</a:t>
               </a:r>
-              <a:endParaRPr lang="en-US" sz="600" dirty="0"/>
             </a:p>
           </p:txBody>
         </p:sp>
@@ -11450,7 +11391,6 @@
                 <a:rPr lang="en-US" sz="600" dirty="0"/>
                 <a:t>F3</a:t>
               </a:r>
-              <a:endParaRPr lang="en-US" sz="600" dirty="0"/>
             </a:p>
           </p:txBody>
         </p:sp>
@@ -11495,7 +11435,6 @@
                 <a:rPr lang="en-US" sz="600" dirty="0"/>
                 <a:t>F1</a:t>
               </a:r>
-              <a:endParaRPr lang="en-US" sz="600" dirty="0"/>
             </a:p>
           </p:txBody>
         </p:sp>
@@ -11525,7 +11464,6 @@
                 <a:rPr lang="en-US" sz="600" dirty="0"/>
                 <a:t>F2</a:t>
               </a:r>
-              <a:endParaRPr lang="en-US" sz="600" dirty="0"/>
             </a:p>
           </p:txBody>
         </p:sp>
@@ -11555,7 +11493,6 @@
                 <a:rPr lang="en-US" sz="600" dirty="0"/>
                 <a:t>F4</a:t>
               </a:r>
-              <a:endParaRPr lang="en-US" sz="600" dirty="0"/>
             </a:p>
           </p:txBody>
         </p:sp>
@@ -11585,7 +11522,6 @@
                 <a:rPr lang="en-US" sz="600" dirty="0"/>
                 <a:t>F3</a:t>
               </a:r>
-              <a:endParaRPr lang="en-US" sz="600" dirty="0"/>
             </a:p>
           </p:txBody>
         </p:sp>
@@ -12535,7 +12471,6 @@
                 <a:rPr lang="en-US" sz="600" dirty="0"/>
                 <a:t>F1</a:t>
               </a:r>
-              <a:endParaRPr lang="en-US" sz="600" dirty="0"/>
             </a:p>
           </p:txBody>
         </p:sp>
@@ -12565,7 +12500,6 @@
                 <a:rPr lang="en-US" sz="600" dirty="0"/>
                 <a:t>F2</a:t>
               </a:r>
-              <a:endParaRPr lang="en-US" sz="600" dirty="0"/>
             </a:p>
           </p:txBody>
         </p:sp>
@@ -12595,7 +12529,6 @@
                 <a:rPr lang="en-US" sz="600" dirty="0"/>
                 <a:t>F4</a:t>
               </a:r>
-              <a:endParaRPr lang="en-US" sz="600" dirty="0"/>
             </a:p>
           </p:txBody>
         </p:sp>
@@ -12625,7 +12558,6 @@
                 <a:rPr lang="en-US" sz="600" dirty="0"/>
                 <a:t>F3</a:t>
               </a:r>
-              <a:endParaRPr lang="en-US" sz="600" dirty="0"/>
             </a:p>
           </p:txBody>
         </p:sp>
@@ -12670,7 +12602,6 @@
                 <a:rPr lang="en-US" sz="600" dirty="0"/>
                 <a:t>F1</a:t>
               </a:r>
-              <a:endParaRPr lang="en-US" sz="600" dirty="0"/>
             </a:p>
           </p:txBody>
         </p:sp>
@@ -12700,7 +12631,6 @@
                 <a:rPr lang="en-US" sz="600" dirty="0"/>
                 <a:t>F2</a:t>
               </a:r>
-              <a:endParaRPr lang="en-US" sz="600" dirty="0"/>
             </a:p>
           </p:txBody>
         </p:sp>
@@ -12730,7 +12660,6 @@
                 <a:rPr lang="en-US" sz="600" dirty="0"/>
                 <a:t>F4</a:t>
               </a:r>
-              <a:endParaRPr lang="en-US" sz="600" dirty="0"/>
             </a:p>
           </p:txBody>
         </p:sp>
@@ -12760,7 +12689,6 @@
                 <a:rPr lang="en-US" sz="600" dirty="0"/>
                 <a:t>F3</a:t>
               </a:r>
-              <a:endParaRPr lang="en-US" sz="600" dirty="0"/>
             </a:p>
           </p:txBody>
         </p:sp>
@@ -12805,7 +12733,6 @@
                 <a:rPr lang="en-US" sz="600" dirty="0"/>
                 <a:t>F1</a:t>
               </a:r>
-              <a:endParaRPr lang="en-US" sz="600" dirty="0"/>
             </a:p>
           </p:txBody>
         </p:sp>
@@ -12835,7 +12762,6 @@
                 <a:rPr lang="en-US" sz="600" dirty="0"/>
                 <a:t>F2</a:t>
               </a:r>
-              <a:endParaRPr lang="en-US" sz="600" dirty="0"/>
             </a:p>
           </p:txBody>
         </p:sp>
@@ -12865,7 +12791,6 @@
                 <a:rPr lang="en-US" sz="600" dirty="0"/>
                 <a:t>F4</a:t>
               </a:r>
-              <a:endParaRPr lang="en-US" sz="600" dirty="0"/>
             </a:p>
           </p:txBody>
         </p:sp>
@@ -12895,7 +12820,6 @@
                 <a:rPr lang="en-US" sz="600" dirty="0"/>
                 <a:t>F3</a:t>
               </a:r>
-              <a:endParaRPr lang="en-US" sz="600" dirty="0"/>
             </a:p>
           </p:txBody>
         </p:sp>
@@ -12940,7 +12864,6 @@
                 <a:rPr lang="en-US" sz="600" dirty="0"/>
                 <a:t>F1</a:t>
               </a:r>
-              <a:endParaRPr lang="en-US" sz="600" dirty="0"/>
             </a:p>
           </p:txBody>
         </p:sp>
@@ -12970,7 +12893,6 @@
                 <a:rPr lang="en-US" sz="600" dirty="0"/>
                 <a:t>F2</a:t>
               </a:r>
-              <a:endParaRPr lang="en-US" sz="600" dirty="0"/>
             </a:p>
           </p:txBody>
         </p:sp>
@@ -13000,7 +12922,6 @@
                 <a:rPr lang="en-US" sz="600" dirty="0"/>
                 <a:t>F4</a:t>
               </a:r>
-              <a:endParaRPr lang="en-US" sz="600" dirty="0"/>
             </a:p>
           </p:txBody>
         </p:sp>
@@ -13030,7 +12951,6 @@
                 <a:rPr lang="en-US" sz="600" dirty="0"/>
                 <a:t>F3</a:t>
               </a:r>
-              <a:endParaRPr lang="en-US" sz="600" dirty="0"/>
             </a:p>
           </p:txBody>
         </p:sp>
@@ -13343,12 +13263,6 @@
               </a:rPr>
               <a:t>laser</a:t>
             </a:r>
-            <a:endParaRPr lang="en-US" b="0" i="0" u="none" strike="noStrike" baseline="0" dirty="0" smtClean="0">
-              <a:solidFill>
-                <a:srgbClr val="000000"/>
-              </a:solidFill>
-              <a:latin typeface="Courier New" panose="02070309020205020404" pitchFamily="49" charset="0"/>
-            </a:endParaRPr>
           </a:p>
         </p:txBody>
       </p:sp>
@@ -13395,6 +13309,1686 @@
     <p:extLst>
       <p:ext uri="{BB962C8B-B14F-4D97-AF65-F5344CB8AC3E}">
         <p14:creationId xmlns:p14="http://schemas.microsoft.com/office/powerpoint/2010/main" val="1760637644"/>
+      </p:ext>
+    </p:extLst>
+  </p:cSld>
+  <p:clrMapOvr>
+    <a:masterClrMapping/>
+  </p:clrMapOvr>
+</p:sld>
+</file>
+
+<file path=ppt/slides/slide6.xml><?xml version="1.0" encoding="utf-8"?>
+<p:sld xmlns:a="http://schemas.openxmlformats.org/drawingml/2006/main" xmlns:r="http://schemas.openxmlformats.org/officeDocument/2006/relationships" xmlns:p="http://schemas.openxmlformats.org/presentationml/2006/main">
+  <p:cSld>
+    <p:spTree>
+      <p:nvGrpSpPr>
+        <p:cNvPr id="1" name=""/>
+        <p:cNvGrpSpPr/>
+        <p:nvPr/>
+      </p:nvGrpSpPr>
+      <p:grpSpPr>
+        <a:xfrm>
+          <a:off x="0" y="0"/>
+          <a:ext cx="0" cy="0"/>
+          <a:chOff x="0" y="0"/>
+          <a:chExt cx="0" cy="0"/>
+        </a:xfrm>
+      </p:grpSpPr>
+      <p:sp>
+        <p:nvSpPr>
+          <p:cNvPr id="4" name="TextBox 3"/>
+          <p:cNvSpPr txBox="1"/>
+          <p:nvPr/>
+        </p:nvSpPr>
+        <p:spPr>
+          <a:xfrm>
+            <a:off x="0" y="0"/>
+            <a:ext cx="1644233" cy="646331"/>
+          </a:xfrm>
+          <a:prstGeom prst="rect">
+            <a:avLst/>
+          </a:prstGeom>
+          <a:noFill/>
+        </p:spPr>
+        <p:txBody>
+          <a:bodyPr wrap="none" rtlCol="0">
+            <a:spAutoFit/>
+          </a:bodyPr>
+          <a:lstStyle/>
+          <a:p>
+            <a:r>
+              <a:rPr lang="en-US" dirty="0" smtClean="0"/>
+              <a:t>Laser leak</a:t>
+            </a:r>
+          </a:p>
+          <a:p>
+            <a:r>
+              <a:rPr lang="en-US" dirty="0" smtClean="0"/>
+              <a:t>Laser excitation</a:t>
+            </a:r>
+            <a:endParaRPr lang="en-US" dirty="0"/>
+          </a:p>
+        </p:txBody>
+      </p:sp>
+      <p:sp>
+        <p:nvSpPr>
+          <p:cNvPr id="11" name="TextBox 10"/>
+          <p:cNvSpPr txBox="1"/>
+          <p:nvPr/>
+        </p:nvSpPr>
+        <p:spPr>
+          <a:xfrm>
+            <a:off x="192314" y="1516839"/>
+            <a:ext cx="3083473" cy="1200329"/>
+          </a:xfrm>
+          <a:prstGeom prst="rect">
+            <a:avLst/>
+          </a:prstGeom>
+          <a:noFill/>
+        </p:spPr>
+        <p:txBody>
+          <a:bodyPr wrap="none" rtlCol="0">
+            <a:spAutoFit/>
+          </a:bodyPr>
+          <a:lstStyle/>
+          <a:p>
+            <a:r>
+              <a:rPr lang="en-US" sz="1200" dirty="0" smtClean="0"/>
+              <a:t>LS0 :Laser source (</a:t>
+            </a:r>
+            <a:r>
+              <a:rPr lang="en-US" sz="1200" dirty="0" err="1" smtClean="0"/>
+              <a:t>mW</a:t>
+            </a:r>
+            <a:r>
+              <a:rPr lang="en-US" sz="1200" dirty="0" smtClean="0"/>
+              <a:t>)</a:t>
+            </a:r>
+          </a:p>
+          <a:p>
+            <a:r>
+              <a:rPr lang="en-US" sz="1200" dirty="0" smtClean="0"/>
+              <a:t>LF: laser excitation flux (</a:t>
+            </a:r>
+            <a:r>
+              <a:rPr lang="en-US" sz="1200" dirty="0" err="1" smtClean="0"/>
+              <a:t>nW</a:t>
+            </a:r>
+            <a:r>
+              <a:rPr lang="en-US" sz="1200" dirty="0" smtClean="0"/>
+              <a:t>/um2 = </a:t>
+            </a:r>
+            <a:r>
+              <a:rPr lang="en-US" sz="1200" dirty="0" err="1" smtClean="0"/>
+              <a:t>mW</a:t>
+            </a:r>
+            <a:r>
+              <a:rPr lang="en-US" sz="1200" dirty="0" smtClean="0"/>
+              <a:t>/mm2)</a:t>
+            </a:r>
+          </a:p>
+          <a:p>
+            <a:r>
+              <a:rPr lang="en-US" sz="1200" dirty="0" smtClean="0"/>
+              <a:t>A: FOV: field of view (mm2)</a:t>
+            </a:r>
+          </a:p>
+          <a:p>
+            <a:r>
+              <a:rPr lang="en-US" sz="1200" dirty="0" smtClean="0"/>
+              <a:t>LS = </a:t>
+            </a:r>
+            <a:r>
+              <a:rPr lang="en-US" sz="1200" dirty="0"/>
+              <a:t>LS0 *</a:t>
+            </a:r>
+            <a:r>
+              <a:rPr lang="en-US" sz="1200" dirty="0" err="1" smtClean="0"/>
+              <a:t>filterCube</a:t>
+            </a:r>
+            <a:r>
+              <a:rPr lang="en-US" sz="1200" dirty="0" smtClean="0"/>
+              <a:t>*</a:t>
+            </a:r>
+            <a:r>
+              <a:rPr lang="en-US" sz="1200" dirty="0" err="1" smtClean="0"/>
+              <a:t>FOVcrop</a:t>
+            </a:r>
+            <a:r>
+              <a:rPr lang="en-US" sz="1200" dirty="0" smtClean="0"/>
+              <a:t>;</a:t>
+            </a:r>
+            <a:endParaRPr lang="en-US" sz="1200" dirty="0" smtClean="0"/>
+          </a:p>
+          <a:p>
+            <a:r>
+              <a:rPr lang="en-US" sz="1200" dirty="0" smtClean="0"/>
+              <a:t>LF = LS/A</a:t>
+            </a:r>
+          </a:p>
+          <a:p>
+            <a:endParaRPr lang="en-US" sz="1200" dirty="0"/>
+          </a:p>
+        </p:txBody>
+      </p:sp>
+      <p:sp>
+        <p:nvSpPr>
+          <p:cNvPr id="12" name="TextBox 11"/>
+          <p:cNvSpPr txBox="1"/>
+          <p:nvPr/>
+        </p:nvSpPr>
+        <p:spPr>
+          <a:xfrm>
+            <a:off x="3513509" y="144873"/>
+            <a:ext cx="3337388" cy="1015663"/>
+          </a:xfrm>
+          <a:prstGeom prst="rect">
+            <a:avLst/>
+          </a:prstGeom>
+          <a:noFill/>
+        </p:spPr>
+        <p:txBody>
+          <a:bodyPr wrap="none" rtlCol="0">
+            <a:spAutoFit/>
+          </a:bodyPr>
+          <a:lstStyle/>
+          <a:p>
+            <a:r>
+              <a:rPr lang="en-US" sz="1200" dirty="0" smtClean="0"/>
+              <a:t>FOV </a:t>
+            </a:r>
+            <a:r>
+              <a:rPr lang="en-US" sz="1200" dirty="0"/>
+              <a:t>= </a:t>
+            </a:r>
+            <a:r>
+              <a:rPr lang="en-US" sz="1200" dirty="0" err="1" smtClean="0"/>
+              <a:t>cameraDetector</a:t>
+            </a:r>
+            <a:r>
+              <a:rPr lang="en-US" sz="1200" dirty="0" smtClean="0"/>
+              <a:t>/magnification = a^2</a:t>
+            </a:r>
+            <a:endParaRPr lang="en-US" sz="1200" dirty="0" smtClean="0"/>
+          </a:p>
+          <a:p>
+            <a:r>
+              <a:rPr lang="en-US" sz="1200" dirty="0" err="1" smtClean="0"/>
+              <a:t>cameraDetector</a:t>
+            </a:r>
+            <a:r>
+              <a:rPr lang="en-US" sz="1200" dirty="0" smtClean="0"/>
+              <a:t> = 16um* 16um*512*512 = 2^26=</a:t>
+            </a:r>
+          </a:p>
+          <a:p>
+            <a:r>
+              <a:rPr lang="en-US" sz="1200" dirty="0" smtClean="0"/>
+              <a:t>Magnification = 150x</a:t>
+            </a:r>
+          </a:p>
+          <a:p>
+            <a:pPr marL="171450" indent="-171450">
+              <a:buFont typeface="Symbol" panose="05050102010706020507" pitchFamily="18" charset="2"/>
+              <a:buChar char="Þ"/>
+            </a:pPr>
+            <a:r>
+              <a:rPr lang="en-US" sz="1200" dirty="0" smtClean="0"/>
+              <a:t>a=54.61 um</a:t>
+            </a:r>
+          </a:p>
+          <a:p>
+            <a:pPr marL="171450" indent="-171450">
+              <a:buFont typeface="Symbol" panose="05050102010706020507" pitchFamily="18" charset="2"/>
+              <a:buChar char="Þ"/>
+            </a:pPr>
+            <a:r>
+              <a:rPr lang="en-US" sz="1200" dirty="0" smtClean="0"/>
+              <a:t>A=4.47e5 um^2</a:t>
+            </a:r>
+            <a:endParaRPr lang="en-US" sz="1200" dirty="0"/>
+          </a:p>
+        </p:txBody>
+      </p:sp>
+      <p:grpSp>
+        <p:nvGrpSpPr>
+          <p:cNvPr id="15" name="Group 14"/>
+          <p:cNvGrpSpPr/>
+          <p:nvPr/>
+        </p:nvGrpSpPr>
+        <p:grpSpPr>
+          <a:xfrm>
+            <a:off x="117182" y="2689089"/>
+            <a:ext cx="2864985" cy="4168911"/>
+            <a:chOff x="723671" y="2642550"/>
+            <a:chExt cx="2864985" cy="4168911"/>
+          </a:xfrm>
+        </p:grpSpPr>
+        <p:grpSp>
+          <p:nvGrpSpPr>
+            <p:cNvPr id="10" name="Group 9"/>
+            <p:cNvGrpSpPr/>
+            <p:nvPr/>
+          </p:nvGrpSpPr>
+          <p:grpSpPr>
+            <a:xfrm>
+              <a:off x="732971" y="2642550"/>
+              <a:ext cx="2803330" cy="4126868"/>
+              <a:chOff x="807616" y="1560199"/>
+              <a:chExt cx="2803330" cy="4126868"/>
+            </a:xfrm>
+          </p:grpSpPr>
+          <p:sp>
+            <p:nvSpPr>
+              <p:cNvPr id="5" name="Oval 4"/>
+              <p:cNvSpPr/>
+              <p:nvPr/>
+            </p:nvSpPr>
+            <p:spPr>
+              <a:xfrm>
+                <a:off x="1079470" y="3427444"/>
+                <a:ext cx="2259623" cy="2259623"/>
+              </a:xfrm>
+              <a:prstGeom prst="ellipse">
+                <a:avLst/>
+              </a:prstGeom>
+              <a:gradFill flip="none" rotWithShape="1">
+                <a:gsLst>
+                  <a:gs pos="0">
+                    <a:schemeClr val="accent1">
+                      <a:tint val="66000"/>
+                      <a:satMod val="160000"/>
+                    </a:schemeClr>
+                  </a:gs>
+                  <a:gs pos="97345">
+                    <a:schemeClr val="bg1"/>
+                  </a:gs>
+                  <a:gs pos="45000">
+                    <a:schemeClr val="accent1">
+                      <a:tint val="44500"/>
+                      <a:satMod val="160000"/>
+                    </a:schemeClr>
+                  </a:gs>
+                  <a:gs pos="65000">
+                    <a:schemeClr val="accent1">
+                      <a:tint val="23500"/>
+                      <a:satMod val="160000"/>
+                    </a:schemeClr>
+                  </a:gs>
+                </a:gsLst>
+                <a:path path="circle">
+                  <a:fillToRect l="50000" t="50000" r="50000" b="50000"/>
+                </a:path>
+                <a:tileRect/>
+              </a:gradFill>
+              <a:ln>
+                <a:noFill/>
+              </a:ln>
+            </p:spPr>
+            <p:style>
+              <a:lnRef idx="2">
+                <a:schemeClr val="accent1">
+                  <a:shade val="50000"/>
+                </a:schemeClr>
+              </a:lnRef>
+              <a:fillRef idx="1">
+                <a:schemeClr val="accent1"/>
+              </a:fillRef>
+              <a:effectRef idx="0">
+                <a:schemeClr val="accent1"/>
+              </a:effectRef>
+              <a:fontRef idx="minor">
+                <a:schemeClr val="lt1"/>
+              </a:fontRef>
+            </p:style>
+            <p:txBody>
+              <a:bodyPr rtlCol="0" anchor="ctr"/>
+              <a:lstStyle/>
+              <a:p>
+                <a:pPr algn="ctr"/>
+                <a:endParaRPr lang="en-US"/>
+              </a:p>
+            </p:txBody>
+          </p:sp>
+          <p:pic>
+            <p:nvPicPr>
+              <p:cNvPr id="6" name="Picture 5"/>
+              <p:cNvPicPr>
+                <a:picLocks noChangeAspect="1"/>
+              </p:cNvPicPr>
+              <p:nvPr/>
+            </p:nvPicPr>
+            <p:blipFill rotWithShape="1">
+              <a:blip r:embed="rId2">
+                <a:clrChange>
+                  <a:clrFrom>
+                    <a:srgbClr val="FFFFFF"/>
+                  </a:clrFrom>
+                  <a:clrTo>
+                    <a:srgbClr val="FFFFFF">
+                      <a:alpha val="0"/>
+                    </a:srgbClr>
+                  </a:clrTo>
+                </a:clrChange>
+                <a:extLst>
+                  <a:ext uri="{28A0092B-C50C-407E-A947-70E740481C1C}">
+                    <a14:useLocalDpi xmlns:a14="http://schemas.microsoft.com/office/drawing/2010/main" val="0"/>
+                  </a:ext>
+                </a:extLst>
+              </a:blip>
+              <a:srcRect l="24644" r="24644"/>
+              <a:stretch/>
+            </p:blipFill>
+            <p:spPr>
+              <a:xfrm>
+                <a:off x="807616" y="1560199"/>
+                <a:ext cx="2803330" cy="2177143"/>
+              </a:xfrm>
+              <a:prstGeom prst="rect">
+                <a:avLst/>
+              </a:prstGeom>
+            </p:spPr>
+          </p:pic>
+          <p:sp>
+            <p:nvSpPr>
+              <p:cNvPr id="7" name="Rectangle 6"/>
+              <p:cNvSpPr/>
+              <p:nvPr/>
+            </p:nvSpPr>
+            <p:spPr>
+              <a:xfrm>
+                <a:off x="1532812" y="3880786"/>
+                <a:ext cx="1352938" cy="1352938"/>
+              </a:xfrm>
+              <a:prstGeom prst="rect">
+                <a:avLst/>
+              </a:prstGeom>
+              <a:noFill/>
+            </p:spPr>
+            <p:style>
+              <a:lnRef idx="2">
+                <a:schemeClr val="accent1">
+                  <a:shade val="50000"/>
+                </a:schemeClr>
+              </a:lnRef>
+              <a:fillRef idx="1">
+                <a:schemeClr val="accent1"/>
+              </a:fillRef>
+              <a:effectRef idx="0">
+                <a:schemeClr val="accent1"/>
+              </a:effectRef>
+              <a:fontRef idx="minor">
+                <a:schemeClr val="lt1"/>
+              </a:fontRef>
+            </p:style>
+            <p:txBody>
+              <a:bodyPr rtlCol="0" anchor="ctr"/>
+              <a:lstStyle/>
+              <a:p>
+                <a:pPr algn="ctr"/>
+                <a:endParaRPr lang="en-US"/>
+              </a:p>
+            </p:txBody>
+          </p:sp>
+          <p:sp>
+            <p:nvSpPr>
+              <p:cNvPr id="8" name="TextBox 7"/>
+              <p:cNvSpPr txBox="1"/>
+              <p:nvPr/>
+            </p:nvSpPr>
+            <p:spPr>
+              <a:xfrm>
+                <a:off x="1532812" y="4956725"/>
+                <a:ext cx="441146" cy="276999"/>
+              </a:xfrm>
+              <a:prstGeom prst="rect">
+                <a:avLst/>
+              </a:prstGeom>
+              <a:noFill/>
+            </p:spPr>
+            <p:txBody>
+              <a:bodyPr wrap="none" rtlCol="0">
+                <a:spAutoFit/>
+              </a:bodyPr>
+              <a:lstStyle/>
+              <a:p>
+                <a:r>
+                  <a:rPr lang="en-US" sz="1200" dirty="0" smtClean="0"/>
+                  <a:t>FOV</a:t>
+                </a:r>
+                <a:endParaRPr lang="en-US" sz="1200" dirty="0"/>
+              </a:p>
+            </p:txBody>
+          </p:sp>
+          <p:sp>
+            <p:nvSpPr>
+              <p:cNvPr id="9" name="TextBox 8"/>
+              <p:cNvSpPr txBox="1"/>
+              <p:nvPr/>
+            </p:nvSpPr>
+            <p:spPr>
+              <a:xfrm>
+                <a:off x="1768135" y="5377168"/>
+                <a:ext cx="567784" cy="276999"/>
+              </a:xfrm>
+              <a:prstGeom prst="rect">
+                <a:avLst/>
+              </a:prstGeom>
+              <a:noFill/>
+            </p:spPr>
+            <p:txBody>
+              <a:bodyPr wrap="none" rtlCol="0">
+                <a:spAutoFit/>
+              </a:bodyPr>
+              <a:lstStyle/>
+              <a:p>
+                <a:r>
+                  <a:rPr lang="en-US" sz="1200" dirty="0" smtClean="0"/>
+                  <a:t>LASER</a:t>
+                </a:r>
+                <a:endParaRPr lang="en-US" sz="1200" dirty="0"/>
+              </a:p>
+            </p:txBody>
+          </p:sp>
+        </p:grpSp>
+        <p:sp>
+          <p:nvSpPr>
+            <p:cNvPr id="13" name="Rectangle 12"/>
+            <p:cNvSpPr/>
+            <p:nvPr/>
+          </p:nvSpPr>
+          <p:spPr>
+            <a:xfrm>
+              <a:off x="723671" y="2768410"/>
+              <a:ext cx="1149674" cy="369332"/>
+            </a:xfrm>
+            <a:prstGeom prst="rect">
+              <a:avLst/>
+            </a:prstGeom>
+          </p:spPr>
+          <p:txBody>
+            <a:bodyPr wrap="none">
+              <a:spAutoFit/>
+            </a:bodyPr>
+            <a:lstStyle/>
+            <a:p>
+              <a:r>
+                <a:rPr lang="en-US" dirty="0" err="1">
+                  <a:solidFill>
+                    <a:srgbClr val="000000"/>
+                  </a:solidFill>
+                  <a:latin typeface="Courier New" panose="02070309020205020404" pitchFamily="49" charset="0"/>
+                </a:rPr>
+                <a:t>FOVcrop</a:t>
+              </a:r>
+              <a:endParaRPr lang="en-US" dirty="0">
+                <a:solidFill>
+                  <a:srgbClr val="000000"/>
+                </a:solidFill>
+                <a:latin typeface="Courier New" panose="02070309020205020404" pitchFamily="49" charset="0"/>
+              </a:endParaRPr>
+            </a:p>
+          </p:txBody>
+        </p:sp>
+        <p:sp>
+          <p:nvSpPr>
+            <p:cNvPr id="14" name="Rectangle 13"/>
+            <p:cNvSpPr/>
+            <p:nvPr/>
+          </p:nvSpPr>
+          <p:spPr>
+            <a:xfrm>
+              <a:off x="723671" y="2727381"/>
+              <a:ext cx="2864985" cy="4084080"/>
+            </a:xfrm>
+            <a:prstGeom prst="rect">
+              <a:avLst/>
+            </a:prstGeom>
+            <a:noFill/>
+          </p:spPr>
+          <p:style>
+            <a:lnRef idx="2">
+              <a:schemeClr val="accent1">
+                <a:shade val="50000"/>
+              </a:schemeClr>
+            </a:lnRef>
+            <a:fillRef idx="1">
+              <a:schemeClr val="accent1"/>
+            </a:fillRef>
+            <a:effectRef idx="0">
+              <a:schemeClr val="accent1"/>
+            </a:effectRef>
+            <a:fontRef idx="minor">
+              <a:schemeClr val="lt1"/>
+            </a:fontRef>
+          </p:style>
+          <p:txBody>
+            <a:bodyPr rtlCol="0" anchor="ctr"/>
+            <a:lstStyle/>
+            <a:p>
+              <a:pPr algn="ctr"/>
+              <a:endParaRPr lang="en-US"/>
+            </a:p>
+          </p:txBody>
+        </p:sp>
+      </p:grpSp>
+    </p:spTree>
+    <p:extLst>
+      <p:ext uri="{BB962C8B-B14F-4D97-AF65-F5344CB8AC3E}">
+        <p14:creationId xmlns:p14="http://schemas.microsoft.com/office/powerpoint/2010/main" val="3394590713"/>
+      </p:ext>
+    </p:extLst>
+  </p:cSld>
+  <p:clrMapOvr>
+    <a:masterClrMapping/>
+  </p:clrMapOvr>
+</p:sld>
+</file>
+
+<file path=ppt/slides/slide7.xml><?xml version="1.0" encoding="utf-8"?>
+<p:sld xmlns:a="http://schemas.openxmlformats.org/drawingml/2006/main" xmlns:r="http://schemas.openxmlformats.org/officeDocument/2006/relationships" xmlns:p="http://schemas.openxmlformats.org/presentationml/2006/main">
+  <p:cSld>
+    <p:spTree>
+      <p:nvGrpSpPr>
+        <p:cNvPr id="1" name=""/>
+        <p:cNvGrpSpPr/>
+        <p:nvPr/>
+      </p:nvGrpSpPr>
+      <p:grpSpPr>
+        <a:xfrm>
+          <a:off x="0" y="0"/>
+          <a:ext cx="0" cy="0"/>
+          <a:chOff x="0" y="0"/>
+          <a:chExt cx="0" cy="0"/>
+        </a:xfrm>
+      </p:grpSpPr>
+      <p:pic>
+        <p:nvPicPr>
+          <p:cNvPr id="4" name="Picture 3"/>
+          <p:cNvPicPr>
+            <a:picLocks noChangeAspect="1"/>
+          </p:cNvPicPr>
+          <p:nvPr/>
+        </p:nvPicPr>
+        <p:blipFill>
+          <a:blip r:embed="rId2" cstate="print">
+            <a:extLst>
+              <a:ext uri="{28A0092B-C50C-407E-A947-70E740481C1C}">
+                <a14:useLocalDpi xmlns:a14="http://schemas.microsoft.com/office/drawing/2010/main" val="0"/>
+              </a:ext>
+            </a:extLst>
+          </a:blip>
+          <a:stretch>
+            <a:fillRect/>
+          </a:stretch>
+        </p:blipFill>
+        <p:spPr>
+          <a:xfrm>
+            <a:off x="628882" y="1496661"/>
+            <a:ext cx="3637305" cy="3653838"/>
+          </a:xfrm>
+          <a:prstGeom prst="rect">
+            <a:avLst/>
+          </a:prstGeom>
+        </p:spPr>
+      </p:pic>
+      <p:sp>
+        <p:nvSpPr>
+          <p:cNvPr id="5" name="TextBox 4"/>
+          <p:cNvSpPr txBox="1"/>
+          <p:nvPr/>
+        </p:nvSpPr>
+        <p:spPr>
+          <a:xfrm>
+            <a:off x="0" y="0"/>
+            <a:ext cx="1550104" cy="369332"/>
+          </a:xfrm>
+          <a:prstGeom prst="rect">
+            <a:avLst/>
+          </a:prstGeom>
+          <a:noFill/>
+        </p:spPr>
+        <p:txBody>
+          <a:bodyPr wrap="none" rtlCol="0">
+            <a:spAutoFit/>
+          </a:bodyPr>
+          <a:lstStyle/>
+          <a:p>
+            <a:r>
+              <a:rPr lang="en-US" dirty="0" err="1" smtClean="0"/>
+              <a:t>Fluo</a:t>
+            </a:r>
+            <a:r>
+              <a:rPr lang="en-US" dirty="0" smtClean="0"/>
+              <a:t> collection</a:t>
+            </a:r>
+            <a:endParaRPr lang="en-US" dirty="0"/>
+          </a:p>
+        </p:txBody>
+      </p:sp>
+      <p:grpSp>
+        <p:nvGrpSpPr>
+          <p:cNvPr id="11" name="Group 10"/>
+          <p:cNvGrpSpPr/>
+          <p:nvPr/>
+        </p:nvGrpSpPr>
+        <p:grpSpPr>
+          <a:xfrm>
+            <a:off x="3608025" y="925458"/>
+            <a:ext cx="2656606" cy="909756"/>
+            <a:chOff x="3608025" y="925458"/>
+            <a:chExt cx="2656606" cy="909756"/>
+          </a:xfrm>
+        </p:grpSpPr>
+        <p:pic>
+          <p:nvPicPr>
+            <p:cNvPr id="7" name="Picture 6"/>
+            <p:cNvPicPr>
+              <a:picLocks noChangeAspect="1"/>
+            </p:cNvPicPr>
+            <p:nvPr/>
+          </p:nvPicPr>
+          <p:blipFill>
+            <a:blip r:embed="rId3"/>
+            <a:stretch>
+              <a:fillRect/>
+            </a:stretch>
+          </p:blipFill>
+          <p:spPr>
+            <a:xfrm>
+              <a:off x="4826356" y="1325631"/>
+              <a:ext cx="1438275" cy="219075"/>
+            </a:xfrm>
+            <a:prstGeom prst="rect">
+              <a:avLst/>
+            </a:prstGeom>
+          </p:spPr>
+        </p:pic>
+        <p:pic>
+          <p:nvPicPr>
+            <p:cNvPr id="8" name="Picture 7"/>
+            <p:cNvPicPr>
+              <a:picLocks noChangeAspect="1"/>
+            </p:cNvPicPr>
+            <p:nvPr/>
+          </p:nvPicPr>
+          <p:blipFill>
+            <a:blip r:embed="rId4"/>
+            <a:stretch>
+              <a:fillRect/>
+            </a:stretch>
+          </p:blipFill>
+          <p:spPr>
+            <a:xfrm>
+              <a:off x="4826356" y="1544706"/>
+              <a:ext cx="695325" cy="180975"/>
+            </a:xfrm>
+            <a:prstGeom prst="rect">
+              <a:avLst/>
+            </a:prstGeom>
+          </p:spPr>
+        </p:pic>
+        <p:sp>
+          <p:nvSpPr>
+            <p:cNvPr id="9" name="Rectangle 8"/>
+            <p:cNvSpPr/>
+            <p:nvPr/>
+          </p:nvSpPr>
+          <p:spPr>
+            <a:xfrm>
+              <a:off x="4199669" y="1311994"/>
+              <a:ext cx="461986" cy="523220"/>
+            </a:xfrm>
+            <a:prstGeom prst="rect">
+              <a:avLst/>
+            </a:prstGeom>
+          </p:spPr>
+          <p:txBody>
+            <a:bodyPr wrap="none">
+              <a:spAutoFit/>
+            </a:bodyPr>
+            <a:lstStyle/>
+            <a:p>
+              <a:r>
+                <a:rPr lang="en-US" sz="1400" dirty="0" smtClean="0"/>
+                <a:t>Cap</a:t>
+              </a:r>
+            </a:p>
+            <a:p>
+              <a:r>
+                <a:rPr lang="en-US" sz="1400" dirty="0" smtClean="0"/>
+                <a:t>Full</a:t>
+              </a:r>
+              <a:endParaRPr lang="en-US" sz="1400" dirty="0"/>
+            </a:p>
+          </p:txBody>
+        </p:sp>
+        <p:sp>
+          <p:nvSpPr>
+            <p:cNvPr id="10" name="Rectangle 9"/>
+            <p:cNvSpPr/>
+            <p:nvPr/>
+          </p:nvSpPr>
+          <p:spPr>
+            <a:xfrm>
+              <a:off x="3608025" y="925458"/>
+              <a:ext cx="1089273" cy="307777"/>
+            </a:xfrm>
+            <a:prstGeom prst="rect">
+              <a:avLst/>
+            </a:prstGeom>
+          </p:spPr>
+          <p:txBody>
+            <a:bodyPr wrap="none">
+              <a:spAutoFit/>
+            </a:bodyPr>
+            <a:lstStyle/>
+            <a:p>
+              <a:r>
+                <a:rPr lang="en-US" sz="1400" dirty="0" smtClean="0"/>
+                <a:t>Surface area</a:t>
+              </a:r>
+              <a:endParaRPr lang="en-US" sz="1400" dirty="0"/>
+            </a:p>
+          </p:txBody>
+        </p:sp>
+      </p:grpSp>
+      <p:sp>
+        <p:nvSpPr>
+          <p:cNvPr id="12" name="Rectangle 11"/>
+          <p:cNvSpPr/>
+          <p:nvPr/>
+        </p:nvSpPr>
+        <p:spPr>
+          <a:xfrm>
+            <a:off x="4656324" y="2708026"/>
+            <a:ext cx="2370521" cy="738664"/>
+          </a:xfrm>
+          <a:prstGeom prst="rect">
+            <a:avLst/>
+          </a:prstGeom>
+        </p:spPr>
+        <p:txBody>
+          <a:bodyPr wrap="none">
+            <a:spAutoFit/>
+          </a:bodyPr>
+          <a:lstStyle/>
+          <a:p>
+            <a:r>
+              <a:rPr lang="en-US" sz="1400" dirty="0" err="1" smtClean="0"/>
+              <a:t>collectionRatio</a:t>
+            </a:r>
+            <a:r>
+              <a:rPr lang="en-US" sz="1400" dirty="0" smtClean="0"/>
+              <a:t>=</a:t>
+            </a:r>
+            <a:endParaRPr lang="en-US" sz="1400" dirty="0"/>
+          </a:p>
+          <a:p>
+            <a:r>
+              <a:rPr lang="en-US" sz="1400" dirty="0" err="1" smtClean="0"/>
+              <a:t>Acap</a:t>
+            </a:r>
+            <a:r>
+              <a:rPr lang="en-US" sz="1400" dirty="0" smtClean="0"/>
+              <a:t>/</a:t>
+            </a:r>
+            <a:r>
+              <a:rPr lang="en-US" sz="1400" dirty="0" err="1" smtClean="0"/>
+              <a:t>Asphere</a:t>
+            </a:r>
+            <a:r>
+              <a:rPr lang="en-US" sz="1400" dirty="0" smtClean="0"/>
+              <a:t> = (1-cos(T))/2</a:t>
+            </a:r>
+          </a:p>
+          <a:p>
+            <a:r>
+              <a:rPr lang="en-US" sz="1400" dirty="0"/>
+              <a:t>Numerical </a:t>
+            </a:r>
+            <a:r>
+              <a:rPr lang="en-US" sz="1400" dirty="0" smtClean="0"/>
+              <a:t>aperture = n*sin(T)</a:t>
+            </a:r>
+          </a:p>
+        </p:txBody>
+      </p:sp>
+    </p:spTree>
+    <p:extLst>
+      <p:ext uri="{BB962C8B-B14F-4D97-AF65-F5344CB8AC3E}">
+        <p14:creationId xmlns:p14="http://schemas.microsoft.com/office/powerpoint/2010/main" val="125800298"/>
+      </p:ext>
+    </p:extLst>
+  </p:cSld>
+  <p:clrMapOvr>
+    <a:masterClrMapping/>
+  </p:clrMapOvr>
+</p:sld>
+</file>
+
+<file path=ppt/slides/slide8.xml><?xml version="1.0" encoding="utf-8"?>
+<p:sld xmlns:a="http://schemas.openxmlformats.org/drawingml/2006/main" xmlns:r="http://schemas.openxmlformats.org/officeDocument/2006/relationships" xmlns:p="http://schemas.openxmlformats.org/presentationml/2006/main">
+  <p:cSld>
+    <p:spTree>
+      <p:nvGrpSpPr>
+        <p:cNvPr id="1" name=""/>
+        <p:cNvGrpSpPr/>
+        <p:nvPr/>
+      </p:nvGrpSpPr>
+      <p:grpSpPr>
+        <a:xfrm>
+          <a:off x="0" y="0"/>
+          <a:ext cx="0" cy="0"/>
+          <a:chOff x="0" y="0"/>
+          <a:chExt cx="0" cy="0"/>
+        </a:xfrm>
+      </p:grpSpPr>
+      <p:sp>
+        <p:nvSpPr>
+          <p:cNvPr id="28" name="Rectangle 27"/>
+          <p:cNvSpPr/>
+          <p:nvPr/>
+        </p:nvSpPr>
+        <p:spPr>
+          <a:xfrm rot="20100000">
+            <a:off x="625780" y="3128915"/>
+            <a:ext cx="1184377" cy="100890"/>
+          </a:xfrm>
+          <a:prstGeom prst="rect">
+            <a:avLst/>
+          </a:prstGeom>
+          <a:ln>
+            <a:noFill/>
+          </a:ln>
+        </p:spPr>
+        <p:style>
+          <a:lnRef idx="2">
+            <a:schemeClr val="accent1">
+              <a:shade val="50000"/>
+            </a:schemeClr>
+          </a:lnRef>
+          <a:fillRef idx="1">
+            <a:schemeClr val="accent1"/>
+          </a:fillRef>
+          <a:effectRef idx="0">
+            <a:schemeClr val="accent1"/>
+          </a:effectRef>
+          <a:fontRef idx="minor">
+            <a:schemeClr val="lt1"/>
+          </a:fontRef>
+        </p:style>
+        <p:txBody>
+          <a:bodyPr rtlCol="0" anchor="ctr"/>
+          <a:lstStyle/>
+          <a:p>
+            <a:pPr algn="ctr"/>
+            <a:endParaRPr lang="en-US"/>
+          </a:p>
+        </p:txBody>
+      </p:sp>
+      <p:sp>
+        <p:nvSpPr>
+          <p:cNvPr id="4" name="TextBox 3"/>
+          <p:cNvSpPr txBox="1"/>
+          <p:nvPr/>
+        </p:nvSpPr>
+        <p:spPr>
+          <a:xfrm>
+            <a:off x="0" y="0"/>
+            <a:ext cx="1550104" cy="369332"/>
+          </a:xfrm>
+          <a:prstGeom prst="rect">
+            <a:avLst/>
+          </a:prstGeom>
+          <a:noFill/>
+        </p:spPr>
+        <p:txBody>
+          <a:bodyPr wrap="none" rtlCol="0">
+            <a:spAutoFit/>
+          </a:bodyPr>
+          <a:lstStyle/>
+          <a:p>
+            <a:r>
+              <a:rPr lang="en-US" dirty="0" err="1" smtClean="0"/>
+              <a:t>Fluo</a:t>
+            </a:r>
+            <a:r>
+              <a:rPr lang="en-US" dirty="0" smtClean="0"/>
+              <a:t> collection</a:t>
+            </a:r>
+            <a:endParaRPr lang="en-US" dirty="0"/>
+          </a:p>
+        </p:txBody>
+      </p:sp>
+      <p:cxnSp>
+        <p:nvCxnSpPr>
+          <p:cNvPr id="6" name="Straight Connector 5"/>
+          <p:cNvCxnSpPr/>
+          <p:nvPr/>
+        </p:nvCxnSpPr>
+        <p:spPr>
+          <a:xfrm>
+            <a:off x="1035698" y="3377682"/>
+            <a:ext cx="1106779" cy="0"/>
+          </a:xfrm>
+          <a:prstGeom prst="line">
+            <a:avLst/>
+          </a:prstGeom>
+          <a:ln w="38100">
+            <a:solidFill>
+              <a:schemeClr val="tx1"/>
+            </a:solidFill>
+          </a:ln>
+        </p:spPr>
+        <p:style>
+          <a:lnRef idx="1">
+            <a:schemeClr val="accent1"/>
+          </a:lnRef>
+          <a:fillRef idx="0">
+            <a:schemeClr val="accent1"/>
+          </a:fillRef>
+          <a:effectRef idx="0">
+            <a:schemeClr val="accent1"/>
+          </a:effectRef>
+          <a:fontRef idx="minor">
+            <a:schemeClr val="tx1"/>
+          </a:fontRef>
+        </p:style>
+      </p:cxnSp>
+      <p:cxnSp>
+        <p:nvCxnSpPr>
+          <p:cNvPr id="7" name="Straight Connector 6"/>
+          <p:cNvCxnSpPr/>
+          <p:nvPr/>
+        </p:nvCxnSpPr>
+        <p:spPr>
+          <a:xfrm>
+            <a:off x="1283686" y="2951585"/>
+            <a:ext cx="1062467" cy="0"/>
+          </a:xfrm>
+          <a:prstGeom prst="line">
+            <a:avLst/>
+          </a:prstGeom>
+          <a:ln>
+            <a:solidFill>
+              <a:schemeClr val="tx1"/>
+            </a:solidFill>
+          </a:ln>
+        </p:spPr>
+        <p:style>
+          <a:lnRef idx="1">
+            <a:schemeClr val="accent1"/>
+          </a:lnRef>
+          <a:fillRef idx="0">
+            <a:schemeClr val="accent1"/>
+          </a:fillRef>
+          <a:effectRef idx="0">
+            <a:schemeClr val="accent1"/>
+          </a:effectRef>
+          <a:fontRef idx="minor">
+            <a:schemeClr val="tx1"/>
+          </a:fontRef>
+        </p:style>
+      </p:cxnSp>
+      <p:cxnSp>
+        <p:nvCxnSpPr>
+          <p:cNvPr id="9" name="Straight Arrow Connector 8"/>
+          <p:cNvCxnSpPr/>
+          <p:nvPr/>
+        </p:nvCxnSpPr>
+        <p:spPr>
+          <a:xfrm>
+            <a:off x="2142477" y="2951585"/>
+            <a:ext cx="0" cy="391886"/>
+          </a:xfrm>
+          <a:prstGeom prst="straightConnector1">
+            <a:avLst/>
+          </a:prstGeom>
+          <a:ln>
+            <a:headEnd type="triangle"/>
+            <a:tailEnd type="triangle"/>
+          </a:ln>
+        </p:spPr>
+        <p:style>
+          <a:lnRef idx="1">
+            <a:schemeClr val="accent1"/>
+          </a:lnRef>
+          <a:fillRef idx="0">
+            <a:schemeClr val="accent1"/>
+          </a:fillRef>
+          <a:effectRef idx="0">
+            <a:schemeClr val="accent1"/>
+          </a:effectRef>
+          <a:fontRef idx="minor">
+            <a:schemeClr val="tx1"/>
+          </a:fontRef>
+        </p:style>
+      </p:cxnSp>
+      <p:cxnSp>
+        <p:nvCxnSpPr>
+          <p:cNvPr id="12" name="Straight Connector 11"/>
+          <p:cNvCxnSpPr/>
+          <p:nvPr/>
+        </p:nvCxnSpPr>
+        <p:spPr>
+          <a:xfrm rot="-1500000" flipV="1">
+            <a:off x="1550104" y="2819401"/>
+            <a:ext cx="0" cy="264368"/>
+          </a:xfrm>
+          <a:prstGeom prst="line">
+            <a:avLst/>
+          </a:prstGeom>
+          <a:ln w="38100">
+            <a:solidFill>
+              <a:schemeClr val="accent6"/>
+            </a:solidFill>
+          </a:ln>
+        </p:spPr>
+        <p:style>
+          <a:lnRef idx="1">
+            <a:schemeClr val="accent1"/>
+          </a:lnRef>
+          <a:fillRef idx="0">
+            <a:schemeClr val="accent1"/>
+          </a:fillRef>
+          <a:effectRef idx="0">
+            <a:schemeClr val="accent1"/>
+          </a:effectRef>
+          <a:fontRef idx="minor">
+            <a:schemeClr val="tx1"/>
+          </a:fontRef>
+        </p:style>
+      </p:cxnSp>
+      <p:sp>
+        <p:nvSpPr>
+          <p:cNvPr id="14" name="TextBox 13"/>
+          <p:cNvSpPr txBox="1"/>
+          <p:nvPr/>
+        </p:nvSpPr>
+        <p:spPr>
+          <a:xfrm>
+            <a:off x="94160" y="486748"/>
+            <a:ext cx="4096634" cy="646331"/>
+          </a:xfrm>
+          <a:prstGeom prst="rect">
+            <a:avLst/>
+          </a:prstGeom>
+          <a:noFill/>
+        </p:spPr>
+        <p:txBody>
+          <a:bodyPr wrap="none" rtlCol="0">
+            <a:spAutoFit/>
+          </a:bodyPr>
+          <a:lstStyle/>
+          <a:p>
+            <a:r>
+              <a:rPr lang="en-US" sz="1200" dirty="0" smtClean="0"/>
+              <a:t>Raw absorption cross section </a:t>
+            </a:r>
+            <a:r>
+              <a:rPr lang="en-US" sz="1200" dirty="0"/>
+              <a:t>= absorption cross </a:t>
+            </a:r>
+            <a:r>
+              <a:rPr lang="en-US" sz="1200" dirty="0" smtClean="0"/>
+              <a:t>section * 100;</a:t>
+            </a:r>
+          </a:p>
+          <a:p>
+            <a:r>
+              <a:rPr lang="en-US" sz="1200" dirty="0" smtClean="0"/>
+              <a:t>h^2: </a:t>
+            </a:r>
+            <a:r>
+              <a:rPr lang="en-US" sz="1200" dirty="0" err="1"/>
+              <a:t>r</a:t>
+            </a:r>
+            <a:r>
+              <a:rPr lang="en-US" sz="1200" dirty="0" err="1" smtClean="0"/>
+              <a:t>ax</a:t>
+            </a:r>
+            <a:r>
+              <a:rPr lang="en-US" sz="1200" dirty="0" smtClean="0"/>
+              <a:t> = ax*100 </a:t>
+            </a:r>
+          </a:p>
+          <a:p>
+            <a:r>
+              <a:rPr lang="en-US" sz="1200" dirty="0" smtClean="0"/>
+              <a:t>Cy3 =&gt; </a:t>
+            </a:r>
+            <a:r>
+              <a:rPr lang="en-US" sz="1200" dirty="0"/>
+              <a:t>0.5nm* 0.5nm</a:t>
+            </a:r>
+            <a:endParaRPr lang="en-US" sz="1200" dirty="0"/>
+          </a:p>
+        </p:txBody>
+      </p:sp>
+      <p:sp>
+        <p:nvSpPr>
+          <p:cNvPr id="15" name="TextBox 14"/>
+          <p:cNvSpPr txBox="1"/>
+          <p:nvPr/>
+        </p:nvSpPr>
+        <p:spPr>
+          <a:xfrm>
+            <a:off x="2142477" y="3026134"/>
+            <a:ext cx="343364" cy="276999"/>
+          </a:xfrm>
+          <a:prstGeom prst="rect">
+            <a:avLst/>
+          </a:prstGeom>
+          <a:noFill/>
+        </p:spPr>
+        <p:txBody>
+          <a:bodyPr wrap="none" rtlCol="0">
+            <a:spAutoFit/>
+          </a:bodyPr>
+          <a:lstStyle/>
+          <a:p>
+            <a:r>
+              <a:rPr lang="en-US" sz="1200" dirty="0" smtClean="0"/>
+              <a:t>h0</a:t>
+            </a:r>
+            <a:endParaRPr lang="en-US" sz="1200" dirty="0"/>
+          </a:p>
+        </p:txBody>
+      </p:sp>
+      <p:sp>
+        <p:nvSpPr>
+          <p:cNvPr id="16" name="TextBox 15"/>
+          <p:cNvSpPr txBox="1"/>
+          <p:nvPr/>
+        </p:nvSpPr>
+        <p:spPr>
+          <a:xfrm>
+            <a:off x="1550104" y="2704038"/>
+            <a:ext cx="264816" cy="276999"/>
+          </a:xfrm>
+          <a:prstGeom prst="rect">
+            <a:avLst/>
+          </a:prstGeom>
+          <a:noFill/>
+        </p:spPr>
+        <p:txBody>
+          <a:bodyPr wrap="none" rtlCol="0">
+            <a:spAutoFit/>
+          </a:bodyPr>
+          <a:lstStyle/>
+          <a:p>
+            <a:r>
+              <a:rPr lang="en-US" sz="1200" dirty="0" smtClean="0"/>
+              <a:t>h</a:t>
+            </a:r>
+            <a:endParaRPr lang="en-US" sz="1200" dirty="0"/>
+          </a:p>
+        </p:txBody>
+      </p:sp>
+      <p:cxnSp>
+        <p:nvCxnSpPr>
+          <p:cNvPr id="20" name="Straight Connector 19"/>
+          <p:cNvCxnSpPr/>
+          <p:nvPr/>
+        </p:nvCxnSpPr>
+        <p:spPr>
+          <a:xfrm>
+            <a:off x="3531431" y="3377682"/>
+            <a:ext cx="1106779" cy="0"/>
+          </a:xfrm>
+          <a:prstGeom prst="line">
+            <a:avLst/>
+          </a:prstGeom>
+          <a:ln w="38100">
+            <a:solidFill>
+              <a:schemeClr val="tx1"/>
+            </a:solidFill>
+          </a:ln>
+        </p:spPr>
+        <p:style>
+          <a:lnRef idx="1">
+            <a:schemeClr val="accent1"/>
+          </a:lnRef>
+          <a:fillRef idx="0">
+            <a:schemeClr val="accent1"/>
+          </a:fillRef>
+          <a:effectRef idx="0">
+            <a:schemeClr val="accent1"/>
+          </a:effectRef>
+          <a:fontRef idx="minor">
+            <a:schemeClr val="tx1"/>
+          </a:fontRef>
+        </p:style>
+      </p:cxnSp>
+      <p:cxnSp>
+        <p:nvCxnSpPr>
+          <p:cNvPr id="21" name="Straight Connector 20"/>
+          <p:cNvCxnSpPr/>
+          <p:nvPr/>
+        </p:nvCxnSpPr>
+        <p:spPr>
+          <a:xfrm>
+            <a:off x="3779419" y="2951585"/>
+            <a:ext cx="1062467" cy="0"/>
+          </a:xfrm>
+          <a:prstGeom prst="line">
+            <a:avLst/>
+          </a:prstGeom>
+          <a:ln>
+            <a:solidFill>
+              <a:schemeClr val="tx1"/>
+            </a:solidFill>
+          </a:ln>
+        </p:spPr>
+        <p:style>
+          <a:lnRef idx="1">
+            <a:schemeClr val="accent1"/>
+          </a:lnRef>
+          <a:fillRef idx="0">
+            <a:schemeClr val="accent1"/>
+          </a:fillRef>
+          <a:effectRef idx="0">
+            <a:schemeClr val="accent1"/>
+          </a:effectRef>
+          <a:fontRef idx="minor">
+            <a:schemeClr val="tx1"/>
+          </a:fontRef>
+        </p:style>
+      </p:cxnSp>
+      <p:cxnSp>
+        <p:nvCxnSpPr>
+          <p:cNvPr id="22" name="Straight Arrow Connector 21"/>
+          <p:cNvCxnSpPr/>
+          <p:nvPr/>
+        </p:nvCxnSpPr>
+        <p:spPr>
+          <a:xfrm>
+            <a:off x="4638210" y="2951585"/>
+            <a:ext cx="0" cy="391886"/>
+          </a:xfrm>
+          <a:prstGeom prst="straightConnector1">
+            <a:avLst/>
+          </a:prstGeom>
+          <a:ln>
+            <a:headEnd type="triangle"/>
+            <a:tailEnd type="triangle"/>
+          </a:ln>
+        </p:spPr>
+        <p:style>
+          <a:lnRef idx="1">
+            <a:schemeClr val="accent1"/>
+          </a:lnRef>
+          <a:fillRef idx="0">
+            <a:schemeClr val="accent1"/>
+          </a:fillRef>
+          <a:effectRef idx="0">
+            <a:schemeClr val="accent1"/>
+          </a:effectRef>
+          <a:fontRef idx="minor">
+            <a:schemeClr val="tx1"/>
+          </a:fontRef>
+        </p:style>
+      </p:cxnSp>
+      <p:sp>
+        <p:nvSpPr>
+          <p:cNvPr id="23" name="TextBox 22"/>
+          <p:cNvSpPr txBox="1"/>
+          <p:nvPr/>
+        </p:nvSpPr>
+        <p:spPr>
+          <a:xfrm>
+            <a:off x="4638210" y="3026134"/>
+            <a:ext cx="343364" cy="276999"/>
+          </a:xfrm>
+          <a:prstGeom prst="rect">
+            <a:avLst/>
+          </a:prstGeom>
+          <a:noFill/>
+        </p:spPr>
+        <p:txBody>
+          <a:bodyPr wrap="none" rtlCol="0">
+            <a:spAutoFit/>
+          </a:bodyPr>
+          <a:lstStyle/>
+          <a:p>
+            <a:r>
+              <a:rPr lang="en-US" sz="1200" dirty="0" smtClean="0"/>
+              <a:t>h0</a:t>
+            </a:r>
+            <a:endParaRPr lang="en-US" sz="1200" dirty="0"/>
+          </a:p>
+        </p:txBody>
+      </p:sp>
+      <p:cxnSp>
+        <p:nvCxnSpPr>
+          <p:cNvPr id="24" name="Straight Connector 23"/>
+          <p:cNvCxnSpPr/>
+          <p:nvPr/>
+        </p:nvCxnSpPr>
+        <p:spPr>
+          <a:xfrm rot="5400000" flipV="1">
+            <a:off x="4058386" y="2819449"/>
+            <a:ext cx="0" cy="264368"/>
+          </a:xfrm>
+          <a:prstGeom prst="line">
+            <a:avLst/>
+          </a:prstGeom>
+          <a:ln w="38100">
+            <a:solidFill>
+              <a:schemeClr val="accent6"/>
+            </a:solidFill>
+          </a:ln>
+        </p:spPr>
+        <p:style>
+          <a:lnRef idx="1">
+            <a:schemeClr val="accent1"/>
+          </a:lnRef>
+          <a:fillRef idx="0">
+            <a:schemeClr val="accent1"/>
+          </a:fillRef>
+          <a:effectRef idx="0">
+            <a:schemeClr val="accent1"/>
+          </a:effectRef>
+          <a:fontRef idx="minor">
+            <a:schemeClr val="tx1"/>
+          </a:fontRef>
+        </p:style>
+      </p:cxnSp>
+      <p:sp>
+        <p:nvSpPr>
+          <p:cNvPr id="25" name="TextBox 24"/>
+          <p:cNvSpPr txBox="1"/>
+          <p:nvPr/>
+        </p:nvSpPr>
+        <p:spPr>
+          <a:xfrm>
+            <a:off x="4058386" y="2704086"/>
+            <a:ext cx="264816" cy="276999"/>
+          </a:xfrm>
+          <a:prstGeom prst="rect">
+            <a:avLst/>
+          </a:prstGeom>
+          <a:noFill/>
+        </p:spPr>
+        <p:txBody>
+          <a:bodyPr wrap="none" rtlCol="0">
+            <a:spAutoFit/>
+          </a:bodyPr>
+          <a:lstStyle/>
+          <a:p>
+            <a:r>
+              <a:rPr lang="en-US" sz="1200" dirty="0" smtClean="0"/>
+              <a:t>h</a:t>
+            </a:r>
+            <a:endParaRPr lang="en-US" sz="1200" dirty="0"/>
+          </a:p>
+        </p:txBody>
+      </p:sp>
+      <p:sp>
+        <p:nvSpPr>
+          <p:cNvPr id="26" name="TextBox 25"/>
+          <p:cNvSpPr txBox="1"/>
+          <p:nvPr/>
+        </p:nvSpPr>
+        <p:spPr>
+          <a:xfrm>
+            <a:off x="610104" y="2427039"/>
+            <a:ext cx="673582" cy="276999"/>
+          </a:xfrm>
+          <a:prstGeom prst="rect">
+            <a:avLst/>
+          </a:prstGeom>
+          <a:noFill/>
+        </p:spPr>
+        <p:txBody>
+          <a:bodyPr wrap="none" rtlCol="0">
+            <a:spAutoFit/>
+          </a:bodyPr>
+          <a:lstStyle/>
+          <a:p>
+            <a:r>
+              <a:rPr lang="en-US" sz="1200" dirty="0" smtClean="0"/>
+              <a:t>inclined</a:t>
+            </a:r>
+            <a:endParaRPr lang="en-US" sz="1200" dirty="0"/>
+          </a:p>
+        </p:txBody>
+      </p:sp>
+      <p:sp>
+        <p:nvSpPr>
+          <p:cNvPr id="27" name="TextBox 26"/>
+          <p:cNvSpPr txBox="1"/>
+          <p:nvPr/>
+        </p:nvSpPr>
+        <p:spPr>
+          <a:xfrm>
+            <a:off x="3612398" y="2421200"/>
+            <a:ext cx="891975" cy="276999"/>
+          </a:xfrm>
+          <a:prstGeom prst="rect">
+            <a:avLst/>
+          </a:prstGeom>
+          <a:noFill/>
+        </p:spPr>
+        <p:txBody>
+          <a:bodyPr wrap="none" rtlCol="0">
+            <a:spAutoFit/>
+          </a:bodyPr>
+          <a:lstStyle/>
+          <a:p>
+            <a:r>
+              <a:rPr lang="en-US" sz="1200" dirty="0" smtClean="0"/>
+              <a:t>evanescent</a:t>
+            </a:r>
+            <a:endParaRPr lang="en-US" sz="1200" dirty="0"/>
+          </a:p>
+        </p:txBody>
+      </p:sp>
+      <p:sp>
+        <p:nvSpPr>
+          <p:cNvPr id="29" name="Rectangle 28"/>
+          <p:cNvSpPr/>
+          <p:nvPr/>
+        </p:nvSpPr>
+        <p:spPr>
+          <a:xfrm>
+            <a:off x="3531431" y="3418019"/>
+            <a:ext cx="1184377" cy="100890"/>
+          </a:xfrm>
+          <a:prstGeom prst="rect">
+            <a:avLst/>
+          </a:prstGeom>
+          <a:ln>
+            <a:noFill/>
+          </a:ln>
+        </p:spPr>
+        <p:style>
+          <a:lnRef idx="2">
+            <a:schemeClr val="accent1">
+              <a:shade val="50000"/>
+            </a:schemeClr>
+          </a:lnRef>
+          <a:fillRef idx="1">
+            <a:schemeClr val="accent1"/>
+          </a:fillRef>
+          <a:effectRef idx="0">
+            <a:schemeClr val="accent1"/>
+          </a:effectRef>
+          <a:fontRef idx="minor">
+            <a:schemeClr val="lt1"/>
+          </a:fontRef>
+        </p:style>
+        <p:txBody>
+          <a:bodyPr rtlCol="0" anchor="ctr"/>
+          <a:lstStyle/>
+          <a:p>
+            <a:pPr algn="ctr"/>
+            <a:endParaRPr lang="en-US"/>
+          </a:p>
+        </p:txBody>
+      </p:sp>
+      <p:sp>
+        <p:nvSpPr>
+          <p:cNvPr id="30" name="TextBox 29"/>
+          <p:cNvSpPr txBox="1"/>
+          <p:nvPr/>
+        </p:nvSpPr>
+        <p:spPr>
+          <a:xfrm>
+            <a:off x="1846050" y="2298802"/>
+            <a:ext cx="824969" cy="276999"/>
+          </a:xfrm>
+          <a:prstGeom prst="rect">
+            <a:avLst/>
+          </a:prstGeom>
+          <a:noFill/>
+        </p:spPr>
+        <p:txBody>
+          <a:bodyPr wrap="none" rtlCol="0">
+            <a:spAutoFit/>
+          </a:bodyPr>
+          <a:lstStyle/>
+          <a:p>
+            <a:r>
+              <a:rPr lang="en-US" sz="1200" dirty="0" smtClean="0"/>
+              <a:t>projection</a:t>
+            </a:r>
+            <a:endParaRPr lang="en-US" sz="1200" dirty="0"/>
+          </a:p>
+        </p:txBody>
+      </p:sp>
+      <p:sp>
+        <p:nvSpPr>
+          <p:cNvPr id="33" name="Left Arrow 32"/>
+          <p:cNvSpPr/>
+          <p:nvPr/>
+        </p:nvSpPr>
+        <p:spPr>
+          <a:xfrm rot="16200000">
+            <a:off x="3423334" y="2932569"/>
+            <a:ext cx="400050" cy="130463"/>
+          </a:xfrm>
+          <a:prstGeom prst="leftArrow">
+            <a:avLst/>
+          </a:prstGeom>
+          <a:solidFill>
+            <a:schemeClr val="accent2"/>
+          </a:solidFill>
+          <a:ln>
+            <a:solidFill>
+              <a:schemeClr val="tx1"/>
+            </a:solidFill>
+          </a:ln>
+        </p:spPr>
+        <p:style>
+          <a:lnRef idx="2">
+            <a:schemeClr val="accent1">
+              <a:shade val="50000"/>
+            </a:schemeClr>
+          </a:lnRef>
+          <a:fillRef idx="1">
+            <a:schemeClr val="accent1"/>
+          </a:fillRef>
+          <a:effectRef idx="0">
+            <a:schemeClr val="accent1"/>
+          </a:effectRef>
+          <a:fontRef idx="minor">
+            <a:schemeClr val="lt1"/>
+          </a:fontRef>
+        </p:style>
+        <p:txBody>
+          <a:bodyPr rtlCol="0" anchor="ctr"/>
+          <a:lstStyle/>
+          <a:p>
+            <a:pPr algn="ctr"/>
+            <a:endParaRPr lang="en-US"/>
+          </a:p>
+        </p:txBody>
+      </p:sp>
+      <p:sp>
+        <p:nvSpPr>
+          <p:cNvPr id="34" name="TextBox 33"/>
+          <p:cNvSpPr txBox="1"/>
+          <p:nvPr/>
+        </p:nvSpPr>
+        <p:spPr>
+          <a:xfrm rot="16200000">
+            <a:off x="3051926" y="2588148"/>
+            <a:ext cx="824969" cy="276999"/>
+          </a:xfrm>
+          <a:prstGeom prst="rect">
+            <a:avLst/>
+          </a:prstGeom>
+          <a:noFill/>
+        </p:spPr>
+        <p:txBody>
+          <a:bodyPr wrap="none" rtlCol="0">
+            <a:spAutoFit/>
+          </a:bodyPr>
+          <a:lstStyle/>
+          <a:p>
+            <a:r>
+              <a:rPr lang="en-US" sz="1200" dirty="0" smtClean="0"/>
+              <a:t>projection</a:t>
+            </a:r>
+            <a:endParaRPr lang="en-US" sz="1200" dirty="0"/>
+          </a:p>
+        </p:txBody>
+      </p:sp>
+      <p:sp>
+        <p:nvSpPr>
+          <p:cNvPr id="35" name="Left Arrow 34"/>
+          <p:cNvSpPr/>
+          <p:nvPr/>
+        </p:nvSpPr>
+        <p:spPr>
+          <a:xfrm rot="20100000">
+            <a:off x="1910773" y="2683884"/>
+            <a:ext cx="400050" cy="130463"/>
+          </a:xfrm>
+          <a:prstGeom prst="leftArrow">
+            <a:avLst/>
+          </a:prstGeom>
+          <a:solidFill>
+            <a:schemeClr val="accent2"/>
+          </a:solidFill>
+          <a:ln>
+            <a:solidFill>
+              <a:schemeClr val="tx1"/>
+            </a:solidFill>
+          </a:ln>
+        </p:spPr>
+        <p:style>
+          <a:lnRef idx="2">
+            <a:schemeClr val="accent1">
+              <a:shade val="50000"/>
+            </a:schemeClr>
+          </a:lnRef>
+          <a:fillRef idx="1">
+            <a:schemeClr val="accent1"/>
+          </a:fillRef>
+          <a:effectRef idx="0">
+            <a:schemeClr val="accent1"/>
+          </a:effectRef>
+          <a:fontRef idx="minor">
+            <a:schemeClr val="lt1"/>
+          </a:fontRef>
+        </p:style>
+        <p:txBody>
+          <a:bodyPr rtlCol="0" anchor="ctr"/>
+          <a:lstStyle/>
+          <a:p>
+            <a:pPr algn="ctr"/>
+            <a:endParaRPr lang="en-US"/>
+          </a:p>
+        </p:txBody>
+      </p:sp>
+    </p:spTree>
+    <p:extLst>
+      <p:ext uri="{BB962C8B-B14F-4D97-AF65-F5344CB8AC3E}">
+        <p14:creationId xmlns:p14="http://schemas.microsoft.com/office/powerpoint/2010/main" val="2532804766"/>
       </p:ext>
     </p:extLst>
   </p:cSld>

--- a/code/TIRFcalibration/fluorescenceSpectra/doc/fluorescenceSpectraData.pptx
+++ b/code/TIRFcalibration/fluorescenceSpectra/doc/fluorescenceSpectraData.pptx
@@ -13,6 +13,9 @@
     <p:sldId id="261" r:id="rId7"/>
     <p:sldId id="262" r:id="rId8"/>
     <p:sldId id="263" r:id="rId9"/>
+    <p:sldId id="264" r:id="rId10"/>
+    <p:sldId id="265" r:id="rId11"/>
+    <p:sldId id="266" r:id="rId12"/>
   </p:sldIdLst>
   <p:sldSz cx="12192000" cy="6858000"/>
   <p:notesSz cx="6858000" cy="9144000"/>
@@ -250,7 +253,7 @@
           <a:p>
             <a:fld id="{05B5FFA0-1F84-451F-A3B0-1A71C56D6C03}" type="datetimeFigureOut">
               <a:rPr lang="en-US" smtClean="0"/>
-              <a:t>12/23/2017</a:t>
+              <a:t>12/28/2017</a:t>
             </a:fld>
             <a:endParaRPr lang="en-US"/>
           </a:p>
@@ -420,7 +423,7 @@
           <a:p>
             <a:fld id="{05B5FFA0-1F84-451F-A3B0-1A71C56D6C03}" type="datetimeFigureOut">
               <a:rPr lang="en-US" smtClean="0"/>
-              <a:t>12/23/2017</a:t>
+              <a:t>12/28/2017</a:t>
             </a:fld>
             <a:endParaRPr lang="en-US"/>
           </a:p>
@@ -600,7 +603,7 @@
           <a:p>
             <a:fld id="{05B5FFA0-1F84-451F-A3B0-1A71C56D6C03}" type="datetimeFigureOut">
               <a:rPr lang="en-US" smtClean="0"/>
-              <a:t>12/23/2017</a:t>
+              <a:t>12/28/2017</a:t>
             </a:fld>
             <a:endParaRPr lang="en-US"/>
           </a:p>
@@ -770,7 +773,7 @@
           <a:p>
             <a:fld id="{05B5FFA0-1F84-451F-A3B0-1A71C56D6C03}" type="datetimeFigureOut">
               <a:rPr lang="en-US" smtClean="0"/>
-              <a:t>12/23/2017</a:t>
+              <a:t>12/28/2017</a:t>
             </a:fld>
             <a:endParaRPr lang="en-US"/>
           </a:p>
@@ -1016,7 +1019,7 @@
           <a:p>
             <a:fld id="{05B5FFA0-1F84-451F-A3B0-1A71C56D6C03}" type="datetimeFigureOut">
               <a:rPr lang="en-US" smtClean="0"/>
-              <a:t>12/23/2017</a:t>
+              <a:t>12/28/2017</a:t>
             </a:fld>
             <a:endParaRPr lang="en-US"/>
           </a:p>
@@ -1248,7 +1251,7 @@
           <a:p>
             <a:fld id="{05B5FFA0-1F84-451F-A3B0-1A71C56D6C03}" type="datetimeFigureOut">
               <a:rPr lang="en-US" smtClean="0"/>
-              <a:t>12/23/2017</a:t>
+              <a:t>12/28/2017</a:t>
             </a:fld>
             <a:endParaRPr lang="en-US"/>
           </a:p>
@@ -1615,7 +1618,7 @@
           <a:p>
             <a:fld id="{05B5FFA0-1F84-451F-A3B0-1A71C56D6C03}" type="datetimeFigureOut">
               <a:rPr lang="en-US" smtClean="0"/>
-              <a:t>12/23/2017</a:t>
+              <a:t>12/28/2017</a:t>
             </a:fld>
             <a:endParaRPr lang="en-US"/>
           </a:p>
@@ -1733,7 +1736,7 @@
           <a:p>
             <a:fld id="{05B5FFA0-1F84-451F-A3B0-1A71C56D6C03}" type="datetimeFigureOut">
               <a:rPr lang="en-US" smtClean="0"/>
-              <a:t>12/23/2017</a:t>
+              <a:t>12/28/2017</a:t>
             </a:fld>
             <a:endParaRPr lang="en-US"/>
           </a:p>
@@ -1828,7 +1831,7 @@
           <a:p>
             <a:fld id="{05B5FFA0-1F84-451F-A3B0-1A71C56D6C03}" type="datetimeFigureOut">
               <a:rPr lang="en-US" smtClean="0"/>
-              <a:t>12/23/2017</a:t>
+              <a:t>12/28/2017</a:t>
             </a:fld>
             <a:endParaRPr lang="en-US"/>
           </a:p>
@@ -2105,7 +2108,7 @@
           <a:p>
             <a:fld id="{05B5FFA0-1F84-451F-A3B0-1A71C56D6C03}" type="datetimeFigureOut">
               <a:rPr lang="en-US" smtClean="0"/>
-              <a:t>12/23/2017</a:t>
+              <a:t>12/28/2017</a:t>
             </a:fld>
             <a:endParaRPr lang="en-US"/>
           </a:p>
@@ -2358,7 +2361,7 @@
           <a:p>
             <a:fld id="{05B5FFA0-1F84-451F-A3B0-1A71C56D6C03}" type="datetimeFigureOut">
               <a:rPr lang="en-US" smtClean="0"/>
-              <a:t>12/23/2017</a:t>
+              <a:t>12/28/2017</a:t>
             </a:fld>
             <a:endParaRPr lang="en-US"/>
           </a:p>
@@ -2571,7 +2574,7 @@
           <a:p>
             <a:fld id="{05B5FFA0-1F84-451F-A3B0-1A71C56D6C03}" type="datetimeFigureOut">
               <a:rPr lang="en-US" smtClean="0"/>
-              <a:t>12/23/2017</a:t>
+              <a:t>12/28/2017</a:t>
             </a:fld>
             <a:endParaRPr lang="en-US"/>
           </a:p>
@@ -4158,7 +4161,7 @@
             <a:lstStyle/>
             <a:p>
               <a:r>
-                <a:rPr lang="en-US" smtClean="0"/>
+                <a:rPr lang="en-US" dirty="0" smtClean="0"/>
                 <a:t>L4</a:t>
               </a:r>
               <a:endParaRPr lang="en-US" dirty="0"/>
@@ -4188,7 +4191,7 @@
             <a:lstStyle/>
             <a:p>
               <a:r>
-                <a:rPr lang="en-US" smtClean="0"/>
+                <a:rPr lang="en-US" dirty="0" smtClean="0"/>
                 <a:t>L3</a:t>
               </a:r>
               <a:endParaRPr lang="en-US" dirty="0"/>
@@ -4371,6 +4374,1537 @@
     <p:extLst>
       <p:ext uri="{BB962C8B-B14F-4D97-AF65-F5344CB8AC3E}">
         <p14:creationId xmlns:p14="http://schemas.microsoft.com/office/powerpoint/2010/main" val="4021157349"/>
+      </p:ext>
+    </p:extLst>
+  </p:cSld>
+  <p:clrMapOvr>
+    <a:masterClrMapping/>
+  </p:clrMapOvr>
+</p:sld>
+</file>
+
+<file path=ppt/slides/slide10.xml><?xml version="1.0" encoding="utf-8"?>
+<p:sld xmlns:a="http://schemas.openxmlformats.org/drawingml/2006/main" xmlns:r="http://schemas.openxmlformats.org/officeDocument/2006/relationships" xmlns:p="http://schemas.openxmlformats.org/presentationml/2006/main">
+  <p:cSld>
+    <p:spTree>
+      <p:nvGrpSpPr>
+        <p:cNvPr id="1" name=""/>
+        <p:cNvGrpSpPr/>
+        <p:nvPr/>
+      </p:nvGrpSpPr>
+      <p:grpSpPr>
+        <a:xfrm>
+          <a:off x="0" y="0"/>
+          <a:ext cx="0" cy="0"/>
+          <a:chOff x="0" y="0"/>
+          <a:chExt cx="0" cy="0"/>
+        </a:xfrm>
+      </p:grpSpPr>
+      <p:sp>
+        <p:nvSpPr>
+          <p:cNvPr id="4" name="TextBox 3"/>
+          <p:cNvSpPr txBox="1"/>
+          <p:nvPr/>
+        </p:nvSpPr>
+        <p:spPr>
+          <a:xfrm>
+            <a:off x="5266591" y="3235569"/>
+            <a:ext cx="1352486" cy="369332"/>
+          </a:xfrm>
+          <a:prstGeom prst="rect">
+            <a:avLst/>
+          </a:prstGeom>
+          <a:noFill/>
+        </p:spPr>
+        <p:txBody>
+          <a:bodyPr wrap="none" rtlCol="0">
+            <a:spAutoFit/>
+          </a:bodyPr>
+          <a:lstStyle/>
+          <a:p>
+            <a:r>
+              <a:rPr lang="en-US" dirty="0" smtClean="0"/>
+              <a:t>experiments</a:t>
+            </a:r>
+            <a:endParaRPr lang="en-US" dirty="0"/>
+          </a:p>
+        </p:txBody>
+      </p:sp>
+    </p:spTree>
+    <p:extLst>
+      <p:ext uri="{BB962C8B-B14F-4D97-AF65-F5344CB8AC3E}">
+        <p14:creationId xmlns:p14="http://schemas.microsoft.com/office/powerpoint/2010/main" val="2300875139"/>
+      </p:ext>
+    </p:extLst>
+  </p:cSld>
+  <p:clrMapOvr>
+    <a:masterClrMapping/>
+  </p:clrMapOvr>
+</p:sld>
+</file>
+
+<file path=ppt/slides/slide11.xml><?xml version="1.0" encoding="utf-8"?>
+<p:sld xmlns:a="http://schemas.openxmlformats.org/drawingml/2006/main" xmlns:r="http://schemas.openxmlformats.org/officeDocument/2006/relationships" xmlns:p="http://schemas.openxmlformats.org/presentationml/2006/main">
+  <p:cSld>
+    <p:spTree>
+      <p:nvGrpSpPr>
+        <p:cNvPr id="1" name=""/>
+        <p:cNvGrpSpPr/>
+        <p:nvPr/>
+      </p:nvGrpSpPr>
+      <p:grpSpPr>
+        <a:xfrm>
+          <a:off x="0" y="0"/>
+          <a:ext cx="0" cy="0"/>
+          <a:chOff x="0" y="0"/>
+          <a:chExt cx="0" cy="0"/>
+        </a:xfrm>
+      </p:grpSpPr>
+      <p:sp>
+        <p:nvSpPr>
+          <p:cNvPr id="4" name="Rectangle 3"/>
+          <p:cNvSpPr/>
+          <p:nvPr/>
+        </p:nvSpPr>
+        <p:spPr>
+          <a:xfrm>
+            <a:off x="2984500" y="317500"/>
+            <a:ext cx="6489700" cy="6184900"/>
+          </a:xfrm>
+          <a:prstGeom prst="rect">
+            <a:avLst/>
+          </a:prstGeom>
+        </p:spPr>
+        <p:style>
+          <a:lnRef idx="2">
+            <a:schemeClr val="accent1">
+              <a:shade val="50000"/>
+            </a:schemeClr>
+          </a:lnRef>
+          <a:fillRef idx="1">
+            <a:schemeClr val="accent1"/>
+          </a:fillRef>
+          <a:effectRef idx="0">
+            <a:schemeClr val="accent1"/>
+          </a:effectRef>
+          <a:fontRef idx="minor">
+            <a:schemeClr val="lt1"/>
+          </a:fontRef>
+        </p:style>
+        <p:txBody>
+          <a:bodyPr rtlCol="0" anchor="ctr"/>
+          <a:lstStyle/>
+          <a:p>
+            <a:pPr algn="ctr"/>
+            <a:endParaRPr lang="en-US"/>
+          </a:p>
+        </p:txBody>
+      </p:sp>
+      <p:sp>
+        <p:nvSpPr>
+          <p:cNvPr id="5" name="Rectangle 4"/>
+          <p:cNvSpPr/>
+          <p:nvPr/>
+        </p:nvSpPr>
+        <p:spPr>
+          <a:xfrm>
+            <a:off x="3350260" y="683260"/>
+            <a:ext cx="914400" cy="914400"/>
+          </a:xfrm>
+          <a:prstGeom prst="rect">
+            <a:avLst/>
+          </a:prstGeom>
+        </p:spPr>
+        <p:style>
+          <a:lnRef idx="2">
+            <a:schemeClr val="accent1">
+              <a:shade val="50000"/>
+            </a:schemeClr>
+          </a:lnRef>
+          <a:fillRef idx="1">
+            <a:schemeClr val="accent1"/>
+          </a:fillRef>
+          <a:effectRef idx="0">
+            <a:schemeClr val="accent1"/>
+          </a:effectRef>
+          <a:fontRef idx="minor">
+            <a:schemeClr val="lt1"/>
+          </a:fontRef>
+        </p:style>
+        <p:txBody>
+          <a:bodyPr rtlCol="0" anchor="ctr"/>
+          <a:lstStyle/>
+          <a:p>
+            <a:pPr algn="ctr"/>
+            <a:endParaRPr lang="en-US"/>
+          </a:p>
+        </p:txBody>
+      </p:sp>
+      <p:sp>
+        <p:nvSpPr>
+          <p:cNvPr id="6" name="Rectangle 5"/>
+          <p:cNvSpPr/>
+          <p:nvPr/>
+        </p:nvSpPr>
+        <p:spPr>
+          <a:xfrm>
+            <a:off x="4868164" y="683260"/>
+            <a:ext cx="914400" cy="914400"/>
+          </a:xfrm>
+          <a:prstGeom prst="rect">
+            <a:avLst/>
+          </a:prstGeom>
+        </p:spPr>
+        <p:style>
+          <a:lnRef idx="2">
+            <a:schemeClr val="accent1">
+              <a:shade val="50000"/>
+            </a:schemeClr>
+          </a:lnRef>
+          <a:fillRef idx="1">
+            <a:schemeClr val="accent1"/>
+          </a:fillRef>
+          <a:effectRef idx="0">
+            <a:schemeClr val="accent1"/>
+          </a:effectRef>
+          <a:fontRef idx="minor">
+            <a:schemeClr val="lt1"/>
+          </a:fontRef>
+        </p:style>
+        <p:txBody>
+          <a:bodyPr rtlCol="0" anchor="ctr"/>
+          <a:lstStyle/>
+          <a:p>
+            <a:pPr algn="ctr"/>
+            <a:endParaRPr lang="en-US"/>
+          </a:p>
+        </p:txBody>
+      </p:sp>
+      <p:sp>
+        <p:nvSpPr>
+          <p:cNvPr id="7" name="Rectangle 6"/>
+          <p:cNvSpPr/>
+          <p:nvPr/>
+        </p:nvSpPr>
+        <p:spPr>
+          <a:xfrm>
+            <a:off x="3350260" y="2201164"/>
+            <a:ext cx="914400" cy="914400"/>
+          </a:xfrm>
+          <a:prstGeom prst="rect">
+            <a:avLst/>
+          </a:prstGeom>
+        </p:spPr>
+        <p:style>
+          <a:lnRef idx="2">
+            <a:schemeClr val="accent1">
+              <a:shade val="50000"/>
+            </a:schemeClr>
+          </a:lnRef>
+          <a:fillRef idx="1">
+            <a:schemeClr val="accent1"/>
+          </a:fillRef>
+          <a:effectRef idx="0">
+            <a:schemeClr val="accent1"/>
+          </a:effectRef>
+          <a:fontRef idx="minor">
+            <a:schemeClr val="lt1"/>
+          </a:fontRef>
+        </p:style>
+        <p:txBody>
+          <a:bodyPr rtlCol="0" anchor="ctr"/>
+          <a:lstStyle/>
+          <a:p>
+            <a:pPr algn="ctr"/>
+            <a:endParaRPr lang="en-US"/>
+          </a:p>
+        </p:txBody>
+      </p:sp>
+      <p:sp>
+        <p:nvSpPr>
+          <p:cNvPr id="8" name="Rectangle 7"/>
+          <p:cNvSpPr/>
+          <p:nvPr/>
+        </p:nvSpPr>
+        <p:spPr>
+          <a:xfrm>
+            <a:off x="4868164" y="2201164"/>
+            <a:ext cx="914400" cy="914400"/>
+          </a:xfrm>
+          <a:prstGeom prst="rect">
+            <a:avLst/>
+          </a:prstGeom>
+        </p:spPr>
+        <p:style>
+          <a:lnRef idx="2">
+            <a:schemeClr val="accent1">
+              <a:shade val="50000"/>
+            </a:schemeClr>
+          </a:lnRef>
+          <a:fillRef idx="1">
+            <a:schemeClr val="accent1"/>
+          </a:fillRef>
+          <a:effectRef idx="0">
+            <a:schemeClr val="accent1"/>
+          </a:effectRef>
+          <a:fontRef idx="minor">
+            <a:schemeClr val="lt1"/>
+          </a:fontRef>
+        </p:style>
+        <p:txBody>
+          <a:bodyPr rtlCol="0" anchor="ctr"/>
+          <a:lstStyle/>
+          <a:p>
+            <a:pPr algn="ctr"/>
+            <a:endParaRPr lang="en-US"/>
+          </a:p>
+        </p:txBody>
+      </p:sp>
+      <p:grpSp>
+        <p:nvGrpSpPr>
+          <p:cNvPr id="9" name="Group 8"/>
+          <p:cNvGrpSpPr/>
+          <p:nvPr/>
+        </p:nvGrpSpPr>
+        <p:grpSpPr>
+          <a:xfrm>
+            <a:off x="6590030" y="683260"/>
+            <a:ext cx="2432304" cy="2432304"/>
+            <a:chOff x="3605530" y="365760"/>
+            <a:chExt cx="2432304" cy="2432304"/>
+          </a:xfrm>
+        </p:grpSpPr>
+        <p:sp>
+          <p:nvSpPr>
+            <p:cNvPr id="10" name="Rectangle 9"/>
+            <p:cNvSpPr/>
+            <p:nvPr/>
+          </p:nvSpPr>
+          <p:spPr>
+            <a:xfrm>
+              <a:off x="3605530" y="365760"/>
+              <a:ext cx="914400" cy="914400"/>
+            </a:xfrm>
+            <a:prstGeom prst="rect">
+              <a:avLst/>
+            </a:prstGeom>
+          </p:spPr>
+          <p:style>
+            <a:lnRef idx="2">
+              <a:schemeClr val="accent1">
+                <a:shade val="50000"/>
+              </a:schemeClr>
+            </a:lnRef>
+            <a:fillRef idx="1">
+              <a:schemeClr val="accent1"/>
+            </a:fillRef>
+            <a:effectRef idx="0">
+              <a:schemeClr val="accent1"/>
+            </a:effectRef>
+            <a:fontRef idx="minor">
+              <a:schemeClr val="lt1"/>
+            </a:fontRef>
+          </p:style>
+          <p:txBody>
+            <a:bodyPr rtlCol="0" anchor="ctr"/>
+            <a:lstStyle/>
+            <a:p>
+              <a:pPr algn="ctr"/>
+              <a:endParaRPr lang="en-US"/>
+            </a:p>
+          </p:txBody>
+        </p:sp>
+        <p:sp>
+          <p:nvSpPr>
+            <p:cNvPr id="11" name="Rectangle 10"/>
+            <p:cNvSpPr/>
+            <p:nvPr/>
+          </p:nvSpPr>
+          <p:spPr>
+            <a:xfrm>
+              <a:off x="5123434" y="365760"/>
+              <a:ext cx="914400" cy="914400"/>
+            </a:xfrm>
+            <a:prstGeom prst="rect">
+              <a:avLst/>
+            </a:prstGeom>
+          </p:spPr>
+          <p:style>
+            <a:lnRef idx="2">
+              <a:schemeClr val="accent1">
+                <a:shade val="50000"/>
+              </a:schemeClr>
+            </a:lnRef>
+            <a:fillRef idx="1">
+              <a:schemeClr val="accent1"/>
+            </a:fillRef>
+            <a:effectRef idx="0">
+              <a:schemeClr val="accent1"/>
+            </a:effectRef>
+            <a:fontRef idx="minor">
+              <a:schemeClr val="lt1"/>
+            </a:fontRef>
+          </p:style>
+          <p:txBody>
+            <a:bodyPr rtlCol="0" anchor="ctr"/>
+            <a:lstStyle/>
+            <a:p>
+              <a:pPr algn="ctr"/>
+              <a:endParaRPr lang="en-US"/>
+            </a:p>
+          </p:txBody>
+        </p:sp>
+        <p:sp>
+          <p:nvSpPr>
+            <p:cNvPr id="12" name="Rectangle 11"/>
+            <p:cNvSpPr/>
+            <p:nvPr/>
+          </p:nvSpPr>
+          <p:spPr>
+            <a:xfrm>
+              <a:off x="3605530" y="1883664"/>
+              <a:ext cx="914400" cy="914400"/>
+            </a:xfrm>
+            <a:prstGeom prst="rect">
+              <a:avLst/>
+            </a:prstGeom>
+          </p:spPr>
+          <p:style>
+            <a:lnRef idx="2">
+              <a:schemeClr val="accent1">
+                <a:shade val="50000"/>
+              </a:schemeClr>
+            </a:lnRef>
+            <a:fillRef idx="1">
+              <a:schemeClr val="accent1"/>
+            </a:fillRef>
+            <a:effectRef idx="0">
+              <a:schemeClr val="accent1"/>
+            </a:effectRef>
+            <a:fontRef idx="minor">
+              <a:schemeClr val="lt1"/>
+            </a:fontRef>
+          </p:style>
+          <p:txBody>
+            <a:bodyPr rtlCol="0" anchor="ctr"/>
+            <a:lstStyle/>
+            <a:p>
+              <a:pPr algn="ctr"/>
+              <a:endParaRPr lang="en-US"/>
+            </a:p>
+          </p:txBody>
+        </p:sp>
+        <p:sp>
+          <p:nvSpPr>
+            <p:cNvPr id="13" name="Rectangle 12"/>
+            <p:cNvSpPr/>
+            <p:nvPr/>
+          </p:nvSpPr>
+          <p:spPr>
+            <a:xfrm>
+              <a:off x="5123434" y="1883664"/>
+              <a:ext cx="914400" cy="914400"/>
+            </a:xfrm>
+            <a:prstGeom prst="rect">
+              <a:avLst/>
+            </a:prstGeom>
+          </p:spPr>
+          <p:style>
+            <a:lnRef idx="2">
+              <a:schemeClr val="accent1">
+                <a:shade val="50000"/>
+              </a:schemeClr>
+            </a:lnRef>
+            <a:fillRef idx="1">
+              <a:schemeClr val="accent1"/>
+            </a:fillRef>
+            <a:effectRef idx="0">
+              <a:schemeClr val="accent1"/>
+            </a:effectRef>
+            <a:fontRef idx="minor">
+              <a:schemeClr val="lt1"/>
+            </a:fontRef>
+          </p:style>
+          <p:txBody>
+            <a:bodyPr rtlCol="0" anchor="ctr"/>
+            <a:lstStyle/>
+            <a:p>
+              <a:pPr algn="ctr"/>
+              <a:endParaRPr lang="en-US"/>
+            </a:p>
+          </p:txBody>
+        </p:sp>
+      </p:grpSp>
+      <p:sp>
+        <p:nvSpPr>
+          <p:cNvPr id="14" name="Rectangle 13"/>
+          <p:cNvSpPr/>
+          <p:nvPr/>
+        </p:nvSpPr>
+        <p:spPr>
+          <a:xfrm>
+            <a:off x="3350260" y="3719068"/>
+            <a:ext cx="914400" cy="914400"/>
+          </a:xfrm>
+          <a:prstGeom prst="rect">
+            <a:avLst/>
+          </a:prstGeom>
+        </p:spPr>
+        <p:style>
+          <a:lnRef idx="2">
+            <a:schemeClr val="accent1">
+              <a:shade val="50000"/>
+            </a:schemeClr>
+          </a:lnRef>
+          <a:fillRef idx="1">
+            <a:schemeClr val="accent1"/>
+          </a:fillRef>
+          <a:effectRef idx="0">
+            <a:schemeClr val="accent1"/>
+          </a:effectRef>
+          <a:fontRef idx="minor">
+            <a:schemeClr val="lt1"/>
+          </a:fontRef>
+        </p:style>
+        <p:txBody>
+          <a:bodyPr rtlCol="0" anchor="ctr"/>
+          <a:lstStyle/>
+          <a:p>
+            <a:pPr algn="ctr"/>
+            <a:endParaRPr lang="en-US"/>
+          </a:p>
+        </p:txBody>
+      </p:sp>
+      <p:sp>
+        <p:nvSpPr>
+          <p:cNvPr id="15" name="Rectangle 14"/>
+          <p:cNvSpPr/>
+          <p:nvPr/>
+        </p:nvSpPr>
+        <p:spPr>
+          <a:xfrm>
+            <a:off x="4868164" y="3719068"/>
+            <a:ext cx="914400" cy="914400"/>
+          </a:xfrm>
+          <a:prstGeom prst="rect">
+            <a:avLst/>
+          </a:prstGeom>
+        </p:spPr>
+        <p:style>
+          <a:lnRef idx="2">
+            <a:schemeClr val="accent1">
+              <a:shade val="50000"/>
+            </a:schemeClr>
+          </a:lnRef>
+          <a:fillRef idx="1">
+            <a:schemeClr val="accent1"/>
+          </a:fillRef>
+          <a:effectRef idx="0">
+            <a:schemeClr val="accent1"/>
+          </a:effectRef>
+          <a:fontRef idx="minor">
+            <a:schemeClr val="lt1"/>
+          </a:fontRef>
+        </p:style>
+        <p:txBody>
+          <a:bodyPr rtlCol="0" anchor="ctr"/>
+          <a:lstStyle/>
+          <a:p>
+            <a:pPr algn="ctr"/>
+            <a:endParaRPr lang="en-US"/>
+          </a:p>
+        </p:txBody>
+      </p:sp>
+      <p:sp>
+        <p:nvSpPr>
+          <p:cNvPr id="16" name="Rectangle 15"/>
+          <p:cNvSpPr/>
+          <p:nvPr/>
+        </p:nvSpPr>
+        <p:spPr>
+          <a:xfrm>
+            <a:off x="3350260" y="5236972"/>
+            <a:ext cx="914400" cy="914400"/>
+          </a:xfrm>
+          <a:prstGeom prst="rect">
+            <a:avLst/>
+          </a:prstGeom>
+        </p:spPr>
+        <p:style>
+          <a:lnRef idx="2">
+            <a:schemeClr val="accent1">
+              <a:shade val="50000"/>
+            </a:schemeClr>
+          </a:lnRef>
+          <a:fillRef idx="1">
+            <a:schemeClr val="accent1"/>
+          </a:fillRef>
+          <a:effectRef idx="0">
+            <a:schemeClr val="accent1"/>
+          </a:effectRef>
+          <a:fontRef idx="minor">
+            <a:schemeClr val="lt1"/>
+          </a:fontRef>
+        </p:style>
+        <p:txBody>
+          <a:bodyPr rtlCol="0" anchor="ctr"/>
+          <a:lstStyle/>
+          <a:p>
+            <a:pPr algn="ctr"/>
+            <a:endParaRPr lang="en-US"/>
+          </a:p>
+        </p:txBody>
+      </p:sp>
+      <p:sp>
+        <p:nvSpPr>
+          <p:cNvPr id="17" name="Rectangle 16"/>
+          <p:cNvSpPr/>
+          <p:nvPr/>
+        </p:nvSpPr>
+        <p:spPr>
+          <a:xfrm>
+            <a:off x="4868164" y="5236972"/>
+            <a:ext cx="914400" cy="914400"/>
+          </a:xfrm>
+          <a:prstGeom prst="rect">
+            <a:avLst/>
+          </a:prstGeom>
+        </p:spPr>
+        <p:style>
+          <a:lnRef idx="2">
+            <a:schemeClr val="accent1">
+              <a:shade val="50000"/>
+            </a:schemeClr>
+          </a:lnRef>
+          <a:fillRef idx="1">
+            <a:schemeClr val="accent1"/>
+          </a:fillRef>
+          <a:effectRef idx="0">
+            <a:schemeClr val="accent1"/>
+          </a:effectRef>
+          <a:fontRef idx="minor">
+            <a:schemeClr val="lt1"/>
+          </a:fontRef>
+        </p:style>
+        <p:txBody>
+          <a:bodyPr rtlCol="0" anchor="ctr"/>
+          <a:lstStyle/>
+          <a:p>
+            <a:pPr algn="ctr"/>
+            <a:endParaRPr lang="en-US"/>
+          </a:p>
+        </p:txBody>
+      </p:sp>
+      <p:grpSp>
+        <p:nvGrpSpPr>
+          <p:cNvPr id="18" name="Group 17"/>
+          <p:cNvGrpSpPr/>
+          <p:nvPr/>
+        </p:nvGrpSpPr>
+        <p:grpSpPr>
+          <a:xfrm>
+            <a:off x="6590030" y="3719068"/>
+            <a:ext cx="2432304" cy="2432304"/>
+            <a:chOff x="3605530" y="3401568"/>
+            <a:chExt cx="2432304" cy="2432304"/>
+          </a:xfrm>
+        </p:grpSpPr>
+        <p:sp>
+          <p:nvSpPr>
+            <p:cNvPr id="19" name="Rectangle 18"/>
+            <p:cNvSpPr/>
+            <p:nvPr/>
+          </p:nvSpPr>
+          <p:spPr>
+            <a:xfrm>
+              <a:off x="3605530" y="3401568"/>
+              <a:ext cx="914400" cy="914400"/>
+            </a:xfrm>
+            <a:prstGeom prst="rect">
+              <a:avLst/>
+            </a:prstGeom>
+          </p:spPr>
+          <p:style>
+            <a:lnRef idx="2">
+              <a:schemeClr val="accent1">
+                <a:shade val="50000"/>
+              </a:schemeClr>
+            </a:lnRef>
+            <a:fillRef idx="1">
+              <a:schemeClr val="accent1"/>
+            </a:fillRef>
+            <a:effectRef idx="0">
+              <a:schemeClr val="accent1"/>
+            </a:effectRef>
+            <a:fontRef idx="minor">
+              <a:schemeClr val="lt1"/>
+            </a:fontRef>
+          </p:style>
+          <p:txBody>
+            <a:bodyPr rtlCol="0" anchor="ctr"/>
+            <a:lstStyle/>
+            <a:p>
+              <a:pPr algn="ctr"/>
+              <a:endParaRPr lang="en-US"/>
+            </a:p>
+          </p:txBody>
+        </p:sp>
+        <p:sp>
+          <p:nvSpPr>
+            <p:cNvPr id="20" name="Rectangle 19"/>
+            <p:cNvSpPr/>
+            <p:nvPr/>
+          </p:nvSpPr>
+          <p:spPr>
+            <a:xfrm>
+              <a:off x="5123434" y="3401568"/>
+              <a:ext cx="914400" cy="914400"/>
+            </a:xfrm>
+            <a:prstGeom prst="rect">
+              <a:avLst/>
+            </a:prstGeom>
+          </p:spPr>
+          <p:style>
+            <a:lnRef idx="2">
+              <a:schemeClr val="accent1">
+                <a:shade val="50000"/>
+              </a:schemeClr>
+            </a:lnRef>
+            <a:fillRef idx="1">
+              <a:schemeClr val="accent1"/>
+            </a:fillRef>
+            <a:effectRef idx="0">
+              <a:schemeClr val="accent1"/>
+            </a:effectRef>
+            <a:fontRef idx="minor">
+              <a:schemeClr val="lt1"/>
+            </a:fontRef>
+          </p:style>
+          <p:txBody>
+            <a:bodyPr rtlCol="0" anchor="ctr"/>
+            <a:lstStyle/>
+            <a:p>
+              <a:pPr algn="ctr"/>
+              <a:endParaRPr lang="en-US"/>
+            </a:p>
+          </p:txBody>
+        </p:sp>
+        <p:sp>
+          <p:nvSpPr>
+            <p:cNvPr id="21" name="Rectangle 20"/>
+            <p:cNvSpPr/>
+            <p:nvPr/>
+          </p:nvSpPr>
+          <p:spPr>
+            <a:xfrm>
+              <a:off x="3605530" y="4919472"/>
+              <a:ext cx="914400" cy="914400"/>
+            </a:xfrm>
+            <a:prstGeom prst="rect">
+              <a:avLst/>
+            </a:prstGeom>
+          </p:spPr>
+          <p:style>
+            <a:lnRef idx="2">
+              <a:schemeClr val="accent1">
+                <a:shade val="50000"/>
+              </a:schemeClr>
+            </a:lnRef>
+            <a:fillRef idx="1">
+              <a:schemeClr val="accent1"/>
+            </a:fillRef>
+            <a:effectRef idx="0">
+              <a:schemeClr val="accent1"/>
+            </a:effectRef>
+            <a:fontRef idx="minor">
+              <a:schemeClr val="lt1"/>
+            </a:fontRef>
+          </p:style>
+          <p:txBody>
+            <a:bodyPr rtlCol="0" anchor="ctr"/>
+            <a:lstStyle/>
+            <a:p>
+              <a:pPr algn="ctr"/>
+              <a:endParaRPr lang="en-US"/>
+            </a:p>
+          </p:txBody>
+        </p:sp>
+        <p:sp>
+          <p:nvSpPr>
+            <p:cNvPr id="22" name="Rectangle 21"/>
+            <p:cNvSpPr/>
+            <p:nvPr/>
+          </p:nvSpPr>
+          <p:spPr>
+            <a:xfrm>
+              <a:off x="5123434" y="4919472"/>
+              <a:ext cx="914400" cy="914400"/>
+            </a:xfrm>
+            <a:prstGeom prst="rect">
+              <a:avLst/>
+            </a:prstGeom>
+          </p:spPr>
+          <p:style>
+            <a:lnRef idx="2">
+              <a:schemeClr val="accent1">
+                <a:shade val="50000"/>
+              </a:schemeClr>
+            </a:lnRef>
+            <a:fillRef idx="1">
+              <a:schemeClr val="accent1"/>
+            </a:fillRef>
+            <a:effectRef idx="0">
+              <a:schemeClr val="accent1"/>
+            </a:effectRef>
+            <a:fontRef idx="minor">
+              <a:schemeClr val="lt1"/>
+            </a:fontRef>
+          </p:style>
+          <p:txBody>
+            <a:bodyPr rtlCol="0" anchor="ctr"/>
+            <a:lstStyle/>
+            <a:p>
+              <a:pPr algn="ctr"/>
+              <a:endParaRPr lang="en-US"/>
+            </a:p>
+          </p:txBody>
+        </p:sp>
+      </p:grpSp>
+      <p:sp>
+        <p:nvSpPr>
+          <p:cNvPr id="23" name="TextBox 22"/>
+          <p:cNvSpPr txBox="1"/>
+          <p:nvPr/>
+        </p:nvSpPr>
+        <p:spPr>
+          <a:xfrm>
+            <a:off x="3607726" y="5509506"/>
+            <a:ext cx="521297" cy="369332"/>
+          </a:xfrm>
+          <a:prstGeom prst="rect">
+            <a:avLst/>
+          </a:prstGeom>
+          <a:noFill/>
+        </p:spPr>
+        <p:txBody>
+          <a:bodyPr wrap="none" rtlCol="0">
+            <a:spAutoFit/>
+          </a:bodyPr>
+          <a:lstStyle/>
+          <a:p>
+            <a:r>
+              <a:rPr lang="en-US" dirty="0" smtClean="0"/>
+              <a:t>ch</a:t>
+            </a:r>
+            <a:r>
+              <a:rPr lang="en-US" dirty="0" smtClean="0"/>
+              <a:t>1</a:t>
+            </a:r>
+            <a:endParaRPr lang="en-US" dirty="0"/>
+          </a:p>
+        </p:txBody>
+      </p:sp>
+      <p:sp>
+        <p:nvSpPr>
+          <p:cNvPr id="24" name="TextBox 23"/>
+          <p:cNvSpPr txBox="1"/>
+          <p:nvPr/>
+        </p:nvSpPr>
+        <p:spPr>
+          <a:xfrm>
+            <a:off x="5125630" y="5509506"/>
+            <a:ext cx="521297" cy="369332"/>
+          </a:xfrm>
+          <a:prstGeom prst="rect">
+            <a:avLst/>
+          </a:prstGeom>
+          <a:noFill/>
+        </p:spPr>
+        <p:txBody>
+          <a:bodyPr wrap="none" rtlCol="0">
+            <a:spAutoFit/>
+          </a:bodyPr>
+          <a:lstStyle/>
+          <a:p>
+            <a:r>
+              <a:rPr lang="en-US" dirty="0" smtClean="0"/>
+              <a:t>ch</a:t>
+            </a:r>
+            <a:r>
+              <a:rPr lang="en-US" dirty="0" smtClean="0"/>
+              <a:t>2</a:t>
+            </a:r>
+            <a:endParaRPr lang="en-US" dirty="0"/>
+          </a:p>
+        </p:txBody>
+      </p:sp>
+      <p:sp>
+        <p:nvSpPr>
+          <p:cNvPr id="25" name="TextBox 24"/>
+          <p:cNvSpPr txBox="1"/>
+          <p:nvPr/>
+        </p:nvSpPr>
+        <p:spPr>
+          <a:xfrm>
+            <a:off x="3607726" y="3991602"/>
+            <a:ext cx="521297" cy="369332"/>
+          </a:xfrm>
+          <a:prstGeom prst="rect">
+            <a:avLst/>
+          </a:prstGeom>
+          <a:noFill/>
+        </p:spPr>
+        <p:txBody>
+          <a:bodyPr wrap="none" rtlCol="0">
+            <a:spAutoFit/>
+          </a:bodyPr>
+          <a:lstStyle/>
+          <a:p>
+            <a:r>
+              <a:rPr lang="en-US" dirty="0" smtClean="0"/>
+              <a:t>ch</a:t>
+            </a:r>
+            <a:r>
+              <a:rPr lang="en-US" dirty="0" smtClean="0"/>
+              <a:t>4</a:t>
+            </a:r>
+            <a:endParaRPr lang="en-US" dirty="0"/>
+          </a:p>
+        </p:txBody>
+      </p:sp>
+      <p:sp>
+        <p:nvSpPr>
+          <p:cNvPr id="26" name="TextBox 25"/>
+          <p:cNvSpPr txBox="1"/>
+          <p:nvPr/>
+        </p:nvSpPr>
+        <p:spPr>
+          <a:xfrm>
+            <a:off x="5125630" y="3991602"/>
+            <a:ext cx="521297" cy="369332"/>
+          </a:xfrm>
+          <a:prstGeom prst="rect">
+            <a:avLst/>
+          </a:prstGeom>
+          <a:noFill/>
+        </p:spPr>
+        <p:txBody>
+          <a:bodyPr wrap="none" rtlCol="0">
+            <a:spAutoFit/>
+          </a:bodyPr>
+          <a:lstStyle/>
+          <a:p>
+            <a:r>
+              <a:rPr lang="en-US" dirty="0" smtClean="0"/>
+              <a:t>ch</a:t>
+            </a:r>
+            <a:r>
+              <a:rPr lang="en-US" dirty="0" smtClean="0"/>
+              <a:t>3</a:t>
+            </a:r>
+            <a:endParaRPr lang="en-US" dirty="0"/>
+          </a:p>
+        </p:txBody>
+      </p:sp>
+      <p:grpSp>
+        <p:nvGrpSpPr>
+          <p:cNvPr id="27" name="Group 26"/>
+          <p:cNvGrpSpPr/>
+          <p:nvPr/>
+        </p:nvGrpSpPr>
+        <p:grpSpPr>
+          <a:xfrm>
+            <a:off x="6847496" y="3991602"/>
+            <a:ext cx="2039201" cy="1887236"/>
+            <a:chOff x="3884877" y="3674102"/>
+            <a:chExt cx="2039201" cy="1887236"/>
+          </a:xfrm>
+        </p:grpSpPr>
+        <p:sp>
+          <p:nvSpPr>
+            <p:cNvPr id="28" name="TextBox 27"/>
+            <p:cNvSpPr txBox="1"/>
+            <p:nvPr/>
+          </p:nvSpPr>
+          <p:spPr>
+            <a:xfrm>
+              <a:off x="3884877" y="5192006"/>
+              <a:ext cx="521297" cy="369332"/>
+            </a:xfrm>
+            <a:prstGeom prst="rect">
+              <a:avLst/>
+            </a:prstGeom>
+            <a:noFill/>
+          </p:spPr>
+          <p:txBody>
+            <a:bodyPr wrap="none" rtlCol="0">
+              <a:spAutoFit/>
+            </a:bodyPr>
+            <a:lstStyle/>
+            <a:p>
+              <a:r>
+                <a:rPr lang="en-US" dirty="0" smtClean="0"/>
+                <a:t>ch</a:t>
+              </a:r>
+              <a:r>
+                <a:rPr lang="en-US" dirty="0" smtClean="0"/>
+                <a:t>1</a:t>
+              </a:r>
+              <a:endParaRPr lang="en-US" dirty="0"/>
+            </a:p>
+          </p:txBody>
+        </p:sp>
+        <p:sp>
+          <p:nvSpPr>
+            <p:cNvPr id="29" name="TextBox 28"/>
+            <p:cNvSpPr txBox="1"/>
+            <p:nvPr/>
+          </p:nvSpPr>
+          <p:spPr>
+            <a:xfrm>
+              <a:off x="5402781" y="5192006"/>
+              <a:ext cx="521297" cy="369332"/>
+            </a:xfrm>
+            <a:prstGeom prst="rect">
+              <a:avLst/>
+            </a:prstGeom>
+            <a:noFill/>
+          </p:spPr>
+          <p:txBody>
+            <a:bodyPr wrap="none" rtlCol="0">
+              <a:spAutoFit/>
+            </a:bodyPr>
+            <a:lstStyle/>
+            <a:p>
+              <a:r>
+                <a:rPr lang="en-US" dirty="0" smtClean="0"/>
+                <a:t>ch</a:t>
+              </a:r>
+              <a:r>
+                <a:rPr lang="en-US" dirty="0" smtClean="0"/>
+                <a:t>2</a:t>
+              </a:r>
+              <a:endParaRPr lang="en-US" dirty="0"/>
+            </a:p>
+          </p:txBody>
+        </p:sp>
+        <p:sp>
+          <p:nvSpPr>
+            <p:cNvPr id="30" name="TextBox 29"/>
+            <p:cNvSpPr txBox="1"/>
+            <p:nvPr/>
+          </p:nvSpPr>
+          <p:spPr>
+            <a:xfrm>
+              <a:off x="3884877" y="3674102"/>
+              <a:ext cx="521297" cy="369332"/>
+            </a:xfrm>
+            <a:prstGeom prst="rect">
+              <a:avLst/>
+            </a:prstGeom>
+            <a:noFill/>
+          </p:spPr>
+          <p:txBody>
+            <a:bodyPr wrap="none" rtlCol="0">
+              <a:spAutoFit/>
+            </a:bodyPr>
+            <a:lstStyle/>
+            <a:p>
+              <a:r>
+                <a:rPr lang="en-US" dirty="0" smtClean="0"/>
+                <a:t>ch</a:t>
+              </a:r>
+              <a:r>
+                <a:rPr lang="en-US" dirty="0" smtClean="0"/>
+                <a:t>4</a:t>
+              </a:r>
+              <a:endParaRPr lang="en-US" dirty="0"/>
+            </a:p>
+          </p:txBody>
+        </p:sp>
+        <p:sp>
+          <p:nvSpPr>
+            <p:cNvPr id="31" name="TextBox 30"/>
+            <p:cNvSpPr txBox="1"/>
+            <p:nvPr/>
+          </p:nvSpPr>
+          <p:spPr>
+            <a:xfrm>
+              <a:off x="5402781" y="3674102"/>
+              <a:ext cx="521297" cy="369332"/>
+            </a:xfrm>
+            <a:prstGeom prst="rect">
+              <a:avLst/>
+            </a:prstGeom>
+            <a:noFill/>
+          </p:spPr>
+          <p:txBody>
+            <a:bodyPr wrap="none" rtlCol="0">
+              <a:spAutoFit/>
+            </a:bodyPr>
+            <a:lstStyle/>
+            <a:p>
+              <a:r>
+                <a:rPr lang="en-US" dirty="0" smtClean="0"/>
+                <a:t>ch</a:t>
+              </a:r>
+              <a:r>
+                <a:rPr lang="en-US" dirty="0" smtClean="0"/>
+                <a:t>3</a:t>
+              </a:r>
+              <a:endParaRPr lang="en-US" dirty="0"/>
+            </a:p>
+          </p:txBody>
+        </p:sp>
+      </p:grpSp>
+      <p:grpSp>
+        <p:nvGrpSpPr>
+          <p:cNvPr id="32" name="Group 31"/>
+          <p:cNvGrpSpPr/>
+          <p:nvPr/>
+        </p:nvGrpSpPr>
+        <p:grpSpPr>
+          <a:xfrm>
+            <a:off x="6847496" y="955794"/>
+            <a:ext cx="2039201" cy="1887236"/>
+            <a:chOff x="3884877" y="3674102"/>
+            <a:chExt cx="2039201" cy="1887236"/>
+          </a:xfrm>
+        </p:grpSpPr>
+        <p:sp>
+          <p:nvSpPr>
+            <p:cNvPr id="33" name="TextBox 32"/>
+            <p:cNvSpPr txBox="1"/>
+            <p:nvPr/>
+          </p:nvSpPr>
+          <p:spPr>
+            <a:xfrm>
+              <a:off x="3884877" y="5192006"/>
+              <a:ext cx="521297" cy="369332"/>
+            </a:xfrm>
+            <a:prstGeom prst="rect">
+              <a:avLst/>
+            </a:prstGeom>
+            <a:noFill/>
+          </p:spPr>
+          <p:txBody>
+            <a:bodyPr wrap="none" rtlCol="0">
+              <a:spAutoFit/>
+            </a:bodyPr>
+            <a:lstStyle/>
+            <a:p>
+              <a:r>
+                <a:rPr lang="en-US" dirty="0" smtClean="0"/>
+                <a:t>ch</a:t>
+              </a:r>
+              <a:r>
+                <a:rPr lang="en-US" dirty="0" smtClean="0"/>
+                <a:t>1</a:t>
+              </a:r>
+              <a:endParaRPr lang="en-US" dirty="0"/>
+            </a:p>
+          </p:txBody>
+        </p:sp>
+        <p:sp>
+          <p:nvSpPr>
+            <p:cNvPr id="34" name="TextBox 33"/>
+            <p:cNvSpPr txBox="1"/>
+            <p:nvPr/>
+          </p:nvSpPr>
+          <p:spPr>
+            <a:xfrm>
+              <a:off x="5402781" y="5192006"/>
+              <a:ext cx="521297" cy="369332"/>
+            </a:xfrm>
+            <a:prstGeom prst="rect">
+              <a:avLst/>
+            </a:prstGeom>
+            <a:noFill/>
+          </p:spPr>
+          <p:txBody>
+            <a:bodyPr wrap="none" rtlCol="0">
+              <a:spAutoFit/>
+            </a:bodyPr>
+            <a:lstStyle/>
+            <a:p>
+              <a:r>
+                <a:rPr lang="en-US" dirty="0" smtClean="0"/>
+                <a:t>ch</a:t>
+              </a:r>
+              <a:r>
+                <a:rPr lang="en-US" dirty="0" smtClean="0"/>
+                <a:t>2</a:t>
+              </a:r>
+              <a:endParaRPr lang="en-US" dirty="0"/>
+            </a:p>
+          </p:txBody>
+        </p:sp>
+        <p:sp>
+          <p:nvSpPr>
+            <p:cNvPr id="35" name="TextBox 34"/>
+            <p:cNvSpPr txBox="1"/>
+            <p:nvPr/>
+          </p:nvSpPr>
+          <p:spPr>
+            <a:xfrm>
+              <a:off x="3884877" y="3674102"/>
+              <a:ext cx="399468" cy="369332"/>
+            </a:xfrm>
+            <a:prstGeom prst="rect">
+              <a:avLst/>
+            </a:prstGeom>
+            <a:noFill/>
+          </p:spPr>
+          <p:txBody>
+            <a:bodyPr wrap="none" rtlCol="0">
+              <a:spAutoFit/>
+            </a:bodyPr>
+            <a:lstStyle/>
+            <a:p>
+              <a:r>
+                <a:rPr lang="en-US" smtClean="0"/>
+                <a:t>L4</a:t>
+              </a:r>
+              <a:endParaRPr lang="en-US" dirty="0"/>
+            </a:p>
+          </p:txBody>
+        </p:sp>
+        <p:sp>
+          <p:nvSpPr>
+            <p:cNvPr id="36" name="TextBox 35"/>
+            <p:cNvSpPr txBox="1"/>
+            <p:nvPr/>
+          </p:nvSpPr>
+          <p:spPr>
+            <a:xfrm>
+              <a:off x="5402781" y="3674102"/>
+              <a:ext cx="399468" cy="369332"/>
+            </a:xfrm>
+            <a:prstGeom prst="rect">
+              <a:avLst/>
+            </a:prstGeom>
+            <a:noFill/>
+          </p:spPr>
+          <p:txBody>
+            <a:bodyPr wrap="none" rtlCol="0">
+              <a:spAutoFit/>
+            </a:bodyPr>
+            <a:lstStyle/>
+            <a:p>
+              <a:r>
+                <a:rPr lang="en-US" smtClean="0"/>
+                <a:t>L3</a:t>
+              </a:r>
+              <a:endParaRPr lang="en-US" dirty="0"/>
+            </a:p>
+          </p:txBody>
+        </p:sp>
+      </p:grpSp>
+      <p:grpSp>
+        <p:nvGrpSpPr>
+          <p:cNvPr id="37" name="Group 36"/>
+          <p:cNvGrpSpPr/>
+          <p:nvPr/>
+        </p:nvGrpSpPr>
+        <p:grpSpPr>
+          <a:xfrm>
+            <a:off x="3607726" y="955794"/>
+            <a:ext cx="2039201" cy="1887236"/>
+            <a:chOff x="3884877" y="3674102"/>
+            <a:chExt cx="2039201" cy="1887236"/>
+          </a:xfrm>
+        </p:grpSpPr>
+        <p:sp>
+          <p:nvSpPr>
+            <p:cNvPr id="38" name="TextBox 37"/>
+            <p:cNvSpPr txBox="1"/>
+            <p:nvPr/>
+          </p:nvSpPr>
+          <p:spPr>
+            <a:xfrm>
+              <a:off x="3884877" y="5192006"/>
+              <a:ext cx="521297" cy="369332"/>
+            </a:xfrm>
+            <a:prstGeom prst="rect">
+              <a:avLst/>
+            </a:prstGeom>
+            <a:noFill/>
+          </p:spPr>
+          <p:txBody>
+            <a:bodyPr wrap="none" rtlCol="0">
+              <a:spAutoFit/>
+            </a:bodyPr>
+            <a:lstStyle/>
+            <a:p>
+              <a:r>
+                <a:rPr lang="en-US" dirty="0" smtClean="0"/>
+                <a:t>ch</a:t>
+              </a:r>
+              <a:r>
+                <a:rPr lang="en-US" dirty="0" smtClean="0"/>
+                <a:t>1</a:t>
+              </a:r>
+              <a:endParaRPr lang="en-US" dirty="0"/>
+            </a:p>
+          </p:txBody>
+        </p:sp>
+        <p:sp>
+          <p:nvSpPr>
+            <p:cNvPr id="39" name="TextBox 38"/>
+            <p:cNvSpPr txBox="1"/>
+            <p:nvPr/>
+          </p:nvSpPr>
+          <p:spPr>
+            <a:xfrm>
+              <a:off x="5402781" y="5192006"/>
+              <a:ext cx="521297" cy="369332"/>
+            </a:xfrm>
+            <a:prstGeom prst="rect">
+              <a:avLst/>
+            </a:prstGeom>
+            <a:noFill/>
+          </p:spPr>
+          <p:txBody>
+            <a:bodyPr wrap="none" rtlCol="0">
+              <a:spAutoFit/>
+            </a:bodyPr>
+            <a:lstStyle/>
+            <a:p>
+              <a:r>
+                <a:rPr lang="en-US" dirty="0" smtClean="0"/>
+                <a:t>ch</a:t>
+              </a:r>
+              <a:r>
+                <a:rPr lang="en-US" dirty="0" smtClean="0"/>
+                <a:t>2</a:t>
+              </a:r>
+              <a:endParaRPr lang="en-US" dirty="0"/>
+            </a:p>
+          </p:txBody>
+        </p:sp>
+        <p:sp>
+          <p:nvSpPr>
+            <p:cNvPr id="40" name="TextBox 39"/>
+            <p:cNvSpPr txBox="1"/>
+            <p:nvPr/>
+          </p:nvSpPr>
+          <p:spPr>
+            <a:xfrm>
+              <a:off x="3884877" y="3674102"/>
+              <a:ext cx="521297" cy="369332"/>
+            </a:xfrm>
+            <a:prstGeom prst="rect">
+              <a:avLst/>
+            </a:prstGeom>
+            <a:noFill/>
+          </p:spPr>
+          <p:txBody>
+            <a:bodyPr wrap="none" rtlCol="0">
+              <a:spAutoFit/>
+            </a:bodyPr>
+            <a:lstStyle/>
+            <a:p>
+              <a:r>
+                <a:rPr lang="en-US" dirty="0" smtClean="0"/>
+                <a:t>ch</a:t>
+              </a:r>
+              <a:r>
+                <a:rPr lang="en-US" dirty="0" smtClean="0"/>
+                <a:t>4</a:t>
+              </a:r>
+              <a:endParaRPr lang="en-US" dirty="0"/>
+            </a:p>
+          </p:txBody>
+        </p:sp>
+        <p:sp>
+          <p:nvSpPr>
+            <p:cNvPr id="41" name="TextBox 40"/>
+            <p:cNvSpPr txBox="1"/>
+            <p:nvPr/>
+          </p:nvSpPr>
+          <p:spPr>
+            <a:xfrm>
+              <a:off x="5402781" y="3674102"/>
+              <a:ext cx="521297" cy="369332"/>
+            </a:xfrm>
+            <a:prstGeom prst="rect">
+              <a:avLst/>
+            </a:prstGeom>
+            <a:noFill/>
+          </p:spPr>
+          <p:txBody>
+            <a:bodyPr wrap="none" rtlCol="0">
+              <a:spAutoFit/>
+            </a:bodyPr>
+            <a:lstStyle/>
+            <a:p>
+              <a:r>
+                <a:rPr lang="en-US" dirty="0" smtClean="0"/>
+                <a:t>ch</a:t>
+              </a:r>
+              <a:r>
+                <a:rPr lang="en-US" dirty="0" smtClean="0"/>
+                <a:t>3</a:t>
+              </a:r>
+              <a:endParaRPr lang="en-US" dirty="0"/>
+            </a:p>
+          </p:txBody>
+        </p:sp>
+      </p:grpSp>
+      <p:sp>
+        <p:nvSpPr>
+          <p:cNvPr id="42" name="TextBox 41"/>
+          <p:cNvSpPr txBox="1"/>
+          <p:nvPr/>
+        </p:nvSpPr>
+        <p:spPr>
+          <a:xfrm>
+            <a:off x="0" y="0"/>
+            <a:ext cx="1151726" cy="369332"/>
+          </a:xfrm>
+          <a:prstGeom prst="rect">
+            <a:avLst/>
+          </a:prstGeom>
+          <a:noFill/>
+        </p:spPr>
+        <p:txBody>
+          <a:bodyPr wrap="none" rtlCol="0">
+            <a:spAutoFit/>
+          </a:bodyPr>
+          <a:lstStyle/>
+          <a:p>
+            <a:r>
+              <a:rPr lang="en-US" dirty="0" err="1"/>
+              <a:t>mirrorTest</a:t>
+            </a:r>
+            <a:endParaRPr lang="en-US" dirty="0"/>
+          </a:p>
+        </p:txBody>
+      </p:sp>
+      <p:sp>
+        <p:nvSpPr>
+          <p:cNvPr id="43" name="TextBox 42"/>
+          <p:cNvSpPr txBox="1"/>
+          <p:nvPr/>
+        </p:nvSpPr>
+        <p:spPr>
+          <a:xfrm>
+            <a:off x="4264660" y="4795504"/>
+            <a:ext cx="399468" cy="369332"/>
+          </a:xfrm>
+          <a:prstGeom prst="rect">
+            <a:avLst/>
+          </a:prstGeom>
+          <a:noFill/>
+        </p:spPr>
+        <p:txBody>
+          <a:bodyPr wrap="none" rtlCol="0">
+            <a:spAutoFit/>
+          </a:bodyPr>
+          <a:lstStyle/>
+          <a:p>
+            <a:r>
+              <a:rPr lang="en-US" dirty="0" smtClean="0"/>
+              <a:t>L1</a:t>
+            </a:r>
+            <a:endParaRPr lang="en-US" dirty="0"/>
+          </a:p>
+        </p:txBody>
+      </p:sp>
+      <p:sp>
+        <p:nvSpPr>
+          <p:cNvPr id="44" name="TextBox 43"/>
+          <p:cNvSpPr txBox="1"/>
+          <p:nvPr/>
+        </p:nvSpPr>
+        <p:spPr>
+          <a:xfrm>
+            <a:off x="7538547" y="4814054"/>
+            <a:ext cx="399468" cy="369332"/>
+          </a:xfrm>
+          <a:prstGeom prst="rect">
+            <a:avLst/>
+          </a:prstGeom>
+          <a:noFill/>
+        </p:spPr>
+        <p:txBody>
+          <a:bodyPr wrap="none" rtlCol="0">
+            <a:spAutoFit/>
+          </a:bodyPr>
+          <a:lstStyle/>
+          <a:p>
+            <a:r>
+              <a:rPr lang="en-US" dirty="0" smtClean="0"/>
+              <a:t>L2</a:t>
+            </a:r>
+            <a:endParaRPr lang="en-US" dirty="0"/>
+          </a:p>
+        </p:txBody>
+      </p:sp>
+      <p:sp>
+        <p:nvSpPr>
+          <p:cNvPr id="45" name="TextBox 44"/>
+          <p:cNvSpPr txBox="1"/>
+          <p:nvPr/>
+        </p:nvSpPr>
+        <p:spPr>
+          <a:xfrm>
+            <a:off x="4264660" y="1713714"/>
+            <a:ext cx="399468" cy="369332"/>
+          </a:xfrm>
+          <a:prstGeom prst="rect">
+            <a:avLst/>
+          </a:prstGeom>
+          <a:noFill/>
+        </p:spPr>
+        <p:txBody>
+          <a:bodyPr wrap="none" rtlCol="0">
+            <a:spAutoFit/>
+          </a:bodyPr>
+          <a:lstStyle/>
+          <a:p>
+            <a:r>
+              <a:rPr lang="en-US" dirty="0" smtClean="0"/>
+              <a:t>L4</a:t>
+            </a:r>
+            <a:endParaRPr lang="en-US" dirty="0"/>
+          </a:p>
+        </p:txBody>
+      </p:sp>
+      <p:sp>
+        <p:nvSpPr>
+          <p:cNvPr id="46" name="TextBox 45"/>
+          <p:cNvSpPr txBox="1"/>
+          <p:nvPr/>
+        </p:nvSpPr>
+        <p:spPr>
+          <a:xfrm>
+            <a:off x="7538547" y="1732264"/>
+            <a:ext cx="399468" cy="369332"/>
+          </a:xfrm>
+          <a:prstGeom prst="rect">
+            <a:avLst/>
+          </a:prstGeom>
+          <a:noFill/>
+        </p:spPr>
+        <p:txBody>
+          <a:bodyPr wrap="none" rtlCol="0">
+            <a:spAutoFit/>
+          </a:bodyPr>
+          <a:lstStyle/>
+          <a:p>
+            <a:r>
+              <a:rPr lang="en-US" dirty="0" smtClean="0"/>
+              <a:t>L3</a:t>
+            </a:r>
+            <a:endParaRPr lang="en-US" dirty="0"/>
+          </a:p>
+        </p:txBody>
+      </p:sp>
+    </p:spTree>
+    <p:extLst>
+      <p:ext uri="{BB962C8B-B14F-4D97-AF65-F5344CB8AC3E}">
+        <p14:creationId xmlns:p14="http://schemas.microsoft.com/office/powerpoint/2010/main" val="2352621981"/>
       </p:ext>
     </p:extLst>
   </p:cSld>
@@ -13459,7 +14993,6 @@
               <a:rPr lang="en-US" sz="1200" dirty="0" smtClean="0"/>
               <a:t>;</a:t>
             </a:r>
-            <a:endParaRPr lang="en-US" sz="1200" dirty="0" smtClean="0"/>
           </a:p>
           <a:p>
             <a:r>
@@ -13510,7 +15043,6 @@
               <a:rPr lang="en-US" sz="1200" dirty="0" smtClean="0"/>
               <a:t>/magnification = a^2</a:t>
             </a:r>
-            <a:endParaRPr lang="en-US" sz="1200" dirty="0" smtClean="0"/>
           </a:p>
           <a:p>
             <a:r>
@@ -14463,7 +15995,6 @@
               <a:rPr lang="en-US" sz="1200" dirty="0"/>
               <a:t>0.5nm* 0.5nm</a:t>
             </a:r>
-            <a:endParaRPr lang="en-US" sz="1200" dirty="0"/>
           </a:p>
         </p:txBody>
       </p:sp>
@@ -14989,6 +16520,36 @@
     <p:extLst>
       <p:ext uri="{BB962C8B-B14F-4D97-AF65-F5344CB8AC3E}">
         <p14:creationId xmlns:p14="http://schemas.microsoft.com/office/powerpoint/2010/main" val="2532804766"/>
+      </p:ext>
+    </p:extLst>
+  </p:cSld>
+  <p:clrMapOvr>
+    <a:masterClrMapping/>
+  </p:clrMapOvr>
+</p:sld>
+</file>
+
+<file path=ppt/slides/slide9.xml><?xml version="1.0" encoding="utf-8"?>
+<p:sld xmlns:a="http://schemas.openxmlformats.org/drawingml/2006/main" xmlns:r="http://schemas.openxmlformats.org/officeDocument/2006/relationships" xmlns:p="http://schemas.openxmlformats.org/presentationml/2006/main">
+  <p:cSld>
+    <p:spTree>
+      <p:nvGrpSpPr>
+        <p:cNvPr id="1" name=""/>
+        <p:cNvGrpSpPr/>
+        <p:nvPr/>
+      </p:nvGrpSpPr>
+      <p:grpSpPr>
+        <a:xfrm>
+          <a:off x="0" y="0"/>
+          <a:ext cx="0" cy="0"/>
+          <a:chOff x="0" y="0"/>
+          <a:chExt cx="0" cy="0"/>
+        </a:xfrm>
+      </p:grpSpPr>
+    </p:spTree>
+    <p:extLst>
+      <p:ext uri="{BB962C8B-B14F-4D97-AF65-F5344CB8AC3E}">
+        <p14:creationId xmlns:p14="http://schemas.microsoft.com/office/powerpoint/2010/main" val="2040282721"/>
       </p:ext>
     </p:extLst>
   </p:cSld>
